--- a/econ-210a-lecture-1a.pptx
+++ b/econ-210a-lecture-1a.pptx
@@ -34,6 +34,15 @@
     <p:sldId id="279" r:id="rId31"/>
     <p:sldId id="280" r:id="rId32"/>
     <p:sldId id="281" r:id="rId33"/>
+    <p:sldId id="282" r:id="rId34"/>
+    <p:sldId id="283" r:id="rId35"/>
+    <p:sldId id="284" r:id="rId36"/>
+    <p:sldId id="285" r:id="rId37"/>
+    <p:sldId id="286" r:id="rId38"/>
+    <p:sldId id="287" r:id="rId39"/>
+    <p:sldId id="288" r:id="rId40"/>
+    <p:sldId id="289" r:id="rId41"/>
+    <p:sldId id="290" r:id="rId42"/>
   </p:sldIdLst>
   <p:sldSz cx="9144000" cy="6858000"/>
   <p:notesSz cx="6858000" cy="9144000"/>
@@ -2380,7 +2389,7 @@
               <a:defRPr sz="1408"/>
             </a:pPr>
             <a:r>
-              <a:t>&lt;&lt;</a:t>
+              <a:t>&lt;</a:t>
             </a:r>
             <a:r>
               <a:rPr u="sng">
@@ -3630,7 +3639,7 @@
       </p:sp>
       <p:sp>
         <p:nvSpPr>
-          <p:cNvPr id="105" name="Too good at making theories……"/>
+          <p:cNvPr id="105" name="What is our theory—what are the parameters that we are going to estimate?…"/>
           <p:cNvSpPr txBox="1"/>
           <p:nvPr>
             <p:ph type="body" idx="4294967295"/>
@@ -3651,139 +3660,162 @@
           </a:bodyPr>
           <a:lstStyle/>
           <a:p>
-            <a:pPr marL="181736" indent="-181736" defTabSz="242315">
-              <a:spcBef>
-                <a:spcPts val="400"/>
-              </a:spcBef>
-              <a:defRPr sz="2120"/>
-            </a:pPr>
-            <a:r>
-              <a:t>Too good at making theories…</a:t>
-            </a:r>
-          </a:p>
-          <a:p>
-            <a:pPr marL="181736" indent="-181736" defTabSz="242315">
-              <a:spcBef>
-                <a:spcPts val="400"/>
-              </a:spcBef>
-              <a:defRPr sz="2120"/>
-            </a:pPr>
-            <a:r>
-              <a:t>Too good at doing econometrics…</a:t>
-            </a:r>
-          </a:p>
-          <a:p>
-            <a:pPr marL="181736" indent="-181736" defTabSz="242315">
-              <a:spcBef>
-                <a:spcPts val="400"/>
-              </a:spcBef>
-              <a:defRPr sz="2120"/>
-            </a:pPr>
-            <a:r>
-              <a:t>Is a theoretical result an interesting constraint on reality or a demonstration of the ingenuity of the researcher? Is an econometric-empirical result a robust finding about the world out there or a demonstration that research assistants desperate to please jet-setting tenured bosses can do amazing things?</a:t>
-            </a:r>
-          </a:p>
-          <a:p>
-            <a:pPr marL="181736" indent="-181736" defTabSz="242315">
-              <a:spcBef>
-                <a:spcPts val="400"/>
-              </a:spcBef>
-              <a:defRPr sz="2120"/>
-            </a:pPr>
-            <a:r>
-              <a:t>This is not to say that things were not worse in the old days</a:t>
-            </a:r>
-          </a:p>
-          <a:p>
-            <a:pPr marL="181736" indent="-181736" defTabSz="242315">
-              <a:spcBef>
-                <a:spcPts val="400"/>
-              </a:spcBef>
-              <a:defRPr sz="2120"/>
-            </a:pPr>
-          </a:p>
-          <a:p>
-            <a:pPr marL="181736" indent="-181736" defTabSz="242315">
-              <a:spcBef>
-                <a:spcPts val="400"/>
-              </a:spcBef>
-              <a:defRPr b="1" sz="2120"/>
-            </a:pPr>
-            <a:r>
-              <a:t>GOOD THEORY IS IN THE END NOTHING BUT DISTILLED AND CRYSTALLIZED ECONOMIC HISTORY!!!!</a:t>
-            </a:r>
-          </a:p>
-          <a:p>
-            <a:pPr marL="0" indent="0" defTabSz="242315">
-              <a:spcBef>
-                <a:spcPts val="400"/>
+            <a:pPr marL="0" indent="0" defTabSz="219455">
+              <a:spcBef>
+                <a:spcPts val="300"/>
               </a:spcBef>
               <a:buSzTx/>
               <a:buFontTx/>
               <a:buNone/>
-              <a:defRPr sz="2120"/>
-            </a:pPr>
-          </a:p>
-          <a:p>
-            <a:pPr marL="0" indent="0" algn="ctr" defTabSz="242315">
-              <a:spcBef>
-                <a:spcPts val="0"/>
+              <a:defRPr b="1" sz="1919">
+                <a:latin typeface="+mj-lt"/>
+                <a:ea typeface="+mj-ea"/>
+                <a:cs typeface="+mj-cs"/>
+                <a:sym typeface="Helvetica"/>
+              </a:defRPr>
+            </a:pPr>
+            <a:r>
+              <a:t>What is our theory—what are the parameters that we are going to estimate? </a:t>
+            </a:r>
+          </a:p>
+          <a:p>
+            <a:pPr marL="0" indent="0" defTabSz="219455">
+              <a:spcBef>
+                <a:spcPts val="300"/>
               </a:spcBef>
               <a:buSzTx/>
               <a:buFontTx/>
               <a:buNone/>
-              <a:defRPr sz="1590"/>
-            </a:pPr>
-            <a:r>
-              <a:t>&lt;</a:t>
-            </a:r>
-            <a:r>
-              <a:rPr u="sng">
-                <a:solidFill>
-                  <a:srgbClr val="0000FF"/>
-                </a:solidFill>
-                <a:uFill>
-                  <a:solidFill>
-                    <a:srgbClr val="0000FF"/>
-                  </a:solidFill>
-                </a:uFill>
-                <a:hlinkClick r:id="rId2" invalidUrl="" action="" tgtFrame="" tooltip="" history="1" highlightClick="0" endSnd="0"/>
-              </a:rPr>
-              <a:t>https://www.icloud.com/keynote/0zXitPzTmn_VjnTB0str8Jjhg</a:t>
-            </a:r>
-            <a:r>
-              <a:t>&gt;</a:t>
-            </a:r>
-          </a:p>
-          <a:p>
-            <a:pPr marL="0" indent="0" algn="ctr" defTabSz="242315">
-              <a:spcBef>
-                <a:spcPts val="0"/>
+              <a:defRPr b="1" sz="1919">
+                <a:latin typeface="+mj-lt"/>
+                <a:ea typeface="+mj-ea"/>
+                <a:cs typeface="+mj-cs"/>
+                <a:sym typeface="Helvetica"/>
+              </a:defRPr>
+            </a:pPr>
+          </a:p>
+          <a:p>
+            <a:pPr marL="0" indent="0" defTabSz="219455">
+              <a:spcBef>
+                <a:spcPts val="300"/>
               </a:spcBef>
               <a:buSzTx/>
               <a:buFontTx/>
               <a:buNone/>
-              <a:defRPr sz="1590"/>
-            </a:pPr>
-            <a:r>
-              <a:t>&lt;</a:t>
-            </a:r>
-            <a:r>
-              <a:rPr u="sng">
-                <a:solidFill>
-                  <a:srgbClr val="0000FF"/>
-                </a:solidFill>
-                <a:uFill>
-                  <a:solidFill>
-                    <a:srgbClr val="0000FF"/>
-                  </a:solidFill>
-                </a:uFill>
-                <a:hlinkClick r:id="rId3" invalidUrl="" action="" tgtFrame="" tooltip="" history="1" highlightClick="0" endSnd="0"/>
-              </a:rPr>
-              <a:t>https://www.bradford-delong.com/2019/01/why-economic-history.html</a:t>
-            </a:r>
-            <a:r>
-              <a:t>&gt;</a:t>
+              <a:defRPr b="1" sz="1919">
+                <a:latin typeface="+mj-lt"/>
+                <a:ea typeface="+mj-ea"/>
+                <a:cs typeface="+mj-cs"/>
+                <a:sym typeface="Helvetica"/>
+              </a:defRPr>
+            </a:pPr>
+            <a:r>
+              <a:t>How are we going to identify our estimation—how do we achieve internal validity? </a:t>
+            </a:r>
+          </a:p>
+          <a:p>
+            <a:pPr marL="0" indent="0" defTabSz="219455">
+              <a:spcBef>
+                <a:spcPts val="300"/>
+              </a:spcBef>
+              <a:buSzTx/>
+              <a:buFontTx/>
+              <a:buNone/>
+              <a:defRPr b="1" sz="1919">
+                <a:latin typeface="+mj-lt"/>
+                <a:ea typeface="+mj-ea"/>
+                <a:cs typeface="+mj-cs"/>
+                <a:sym typeface="Helvetica"/>
+              </a:defRPr>
+            </a:pPr>
+          </a:p>
+          <a:p>
+            <a:pPr marL="0" indent="0" defTabSz="219455">
+              <a:spcBef>
+                <a:spcPts val="300"/>
+              </a:spcBef>
+              <a:buSzTx/>
+              <a:buFontTx/>
+              <a:buNone/>
+              <a:defRPr b="1" sz="1919">
+                <a:latin typeface="+mj-lt"/>
+                <a:ea typeface="+mj-ea"/>
+                <a:cs typeface="+mj-cs"/>
+                <a:sym typeface="Helvetica"/>
+              </a:defRPr>
+            </a:pPr>
+            <a:r>
+              <a:t>What have we estimated the wrong model? </a:t>
+            </a:r>
+          </a:p>
+          <a:p>
+            <a:pPr marL="0" indent="0" defTabSz="219455">
+              <a:spcBef>
+                <a:spcPts val="300"/>
+              </a:spcBef>
+              <a:buSzTx/>
+              <a:buFontTx/>
+              <a:buNone/>
+              <a:defRPr b="1" sz="1919">
+                <a:latin typeface="+mj-lt"/>
+                <a:ea typeface="+mj-ea"/>
+                <a:cs typeface="+mj-cs"/>
+                <a:sym typeface="Helvetica"/>
+              </a:defRPr>
+            </a:pPr>
+          </a:p>
+          <a:p>
+            <a:pPr marL="0" indent="0" defTabSz="219455">
+              <a:spcBef>
+                <a:spcPts val="300"/>
+              </a:spcBef>
+              <a:buSzTx/>
+              <a:buFontTx/>
+              <a:buNone/>
+              <a:defRPr b="1" sz="1919">
+                <a:latin typeface="+mj-lt"/>
+                <a:ea typeface="+mj-ea"/>
+                <a:cs typeface="+mj-cs"/>
+                <a:sym typeface="Helvetica"/>
+              </a:defRPr>
+            </a:pPr>
+            <a:r>
+              <a:t>Are our properly-identified RCT estimations worth anything—do we have external validity?  </a:t>
+            </a:r>
+          </a:p>
+          <a:p>
+            <a:pPr marL="0" indent="0" defTabSz="219455">
+              <a:spcBef>
+                <a:spcPts val="300"/>
+              </a:spcBef>
+              <a:buSzTx/>
+              <a:buFontTx/>
+              <a:buNone/>
+              <a:defRPr b="1" sz="1919">
+                <a:latin typeface="+mj-lt"/>
+                <a:ea typeface="+mj-ea"/>
+                <a:cs typeface="+mj-cs"/>
+                <a:sym typeface="Helvetica"/>
+              </a:defRPr>
+            </a:pPr>
+          </a:p>
+          <a:p>
+            <a:pPr marL="0" indent="0" defTabSz="219455">
+              <a:spcBef>
+                <a:spcPts val="300"/>
+              </a:spcBef>
+              <a:buSzTx/>
+              <a:buFontTx/>
+              <a:buNone/>
+              <a:defRPr b="1" sz="1919">
+                <a:latin typeface="+mj-lt"/>
+                <a:ea typeface="+mj-ea"/>
+                <a:cs typeface="+mj-cs"/>
+                <a:sym typeface="Helvetica"/>
+              </a:defRPr>
+            </a:pPr>
+            <a:r>
+              <a:t>What have we missed—for not everything is market exchange and production functions, and even things that are market exchange and production functions have political, sociological, and psychological penumbras around them?</a:t>
             </a:r>
           </a:p>
         </p:txBody>
@@ -3843,7 +3875,7 @@
       </p:sp>
       <p:sp>
         <p:nvSpPr>
-          <p:cNvPr id="108" name="Why Economic History?"/>
+          <p:cNvPr id="108" name="Why Economic History? II"/>
           <p:cNvSpPr txBox="1"/>
           <p:nvPr>
             <p:ph type="title" idx="4294967295"/>
@@ -3859,21 +3891,21 @@
             <a:normAutofit fontScale="100000" lnSpcReduction="0"/>
           </a:bodyPr>
           <a:lstStyle>
-            <a:lvl1pPr defTabSz="402336">
-              <a:defRPr sz="6512"/>
+            <a:lvl1pPr defTabSz="374904">
+              <a:defRPr sz="6068"/>
             </a:lvl1pPr>
           </a:lstStyle>
           <a:p>
             <a:pPr/>
             <a:r>
-              <a:t>Why Economic History?</a:t>
-            </a:r>
-          </a:p>
-        </p:txBody>
-      </p:sp>
-      <p:sp>
-        <p:nvSpPr>
-          <p:cNvPr id="109" name="Robert M. Solow (1985): Economic History and Economics &lt;http://www.jstor.org/stable/1805620&gt;…"/>
+              <a:t>Why Economic History? II</a:t>
+            </a:r>
+          </a:p>
+        </p:txBody>
+      </p:sp>
+      <p:sp>
+        <p:nvSpPr>
+          <p:cNvPr id="109" name="Bob Solow in 1985:…"/>
           <p:cNvSpPr txBox="1"/>
           <p:nvPr>
             <p:ph type="body" idx="4294967295"/>
@@ -3894,232 +3926,44 @@
           </a:bodyPr>
           <a:lstStyle/>
           <a:p>
-            <a:pPr marL="0" indent="0">
-              <a:lnSpc>
-                <a:spcPts val="5100"/>
-              </a:lnSpc>
-              <a:spcBef>
-                <a:spcPts val="1200"/>
+            <a:pPr marL="0" indent="0" defTabSz="219455">
+              <a:spcBef>
+                <a:spcPts val="300"/>
               </a:spcBef>
               <a:buSzTx/>
               <a:buFontTx/>
               <a:buNone/>
-              <a:defRPr sz="2800">
-                <a:uFillTx/>
-                <a:latin typeface="Times New Roman"/>
-                <a:ea typeface="Times New Roman"/>
-                <a:cs typeface="Times New Roman"/>
-                <a:sym typeface="Times New Roman"/>
+              <a:defRPr b="1" sz="1919">
+                <a:latin typeface="+mj-lt"/>
+                <a:ea typeface="+mj-ea"/>
+                <a:cs typeface="+mj-cs"/>
+                <a:sym typeface="Helvetica"/>
               </a:defRPr>
             </a:pPr>
             <a:r>
-              <a:t>Robert M. Solow (1985): </a:t>
-            </a:r>
-            <a:r>
-              <a:rPr i="1">
-                <a:latin typeface="Times"/>
-                <a:ea typeface="Times"/>
-                <a:cs typeface="Times"/>
-                <a:sym typeface="Times"/>
-              </a:rPr>
-              <a:t>Economic History and Economics </a:t>
-            </a:r>
-            <a:r>
-              <a:t>&lt;</a:t>
-            </a:r>
-            <a:r>
-              <a:rPr u="sng">
-                <a:solidFill>
-                  <a:srgbClr val="0000FF"/>
-                </a:solidFill>
-                <a:uFill>
-                  <a:solidFill>
-                    <a:srgbClr val="0000FF"/>
-                  </a:solidFill>
-                </a:uFill>
-                <a:hlinkClick r:id="rId2" invalidUrl="" action="" tgtFrame="" tooltip="" history="1" highlightClick="0" endSnd="0"/>
-              </a:rPr>
-              <a:t>http://www.jstor.org/stable/1805620</a:t>
-            </a:r>
-            <a:r>
-              <a:t>&gt;</a:t>
-            </a:r>
-          </a:p>
-          <a:p>
-            <a:pPr marL="0" indent="0">
-              <a:lnSpc>
-                <a:spcPts val="5100"/>
-              </a:lnSpc>
-              <a:spcBef>
-                <a:spcPts val="1200"/>
-              </a:spcBef>
-              <a:buSzTx/>
-              <a:buFontTx/>
-              <a:buNone/>
-              <a:defRPr sz="2800">
-                <a:uFillTx/>
-                <a:latin typeface="Times New Roman"/>
-                <a:ea typeface="Times New Roman"/>
-                <a:cs typeface="Times New Roman"/>
-                <a:sym typeface="Times New Roman"/>
-              </a:defRPr>
-            </a:pPr>
-            <a:r>
-              <a:t>Kenneth J. Arrow (1985): </a:t>
-            </a:r>
-            <a:r>
-              <a:rPr i="1">
-                <a:latin typeface="Times"/>
-                <a:ea typeface="Times"/>
-                <a:cs typeface="Times"/>
-                <a:sym typeface="Times"/>
-              </a:rPr>
-              <a:t>Maine and Texas </a:t>
-            </a:r>
-            <a:r>
-              <a:t>&lt;</a:t>
-            </a:r>
-            <a:r>
-              <a:rPr u="sng">
-                <a:solidFill>
-                  <a:srgbClr val="0000FF"/>
-                </a:solidFill>
-                <a:uFill>
-                  <a:solidFill>
-                    <a:srgbClr val="0000FF"/>
-                  </a:solidFill>
-                </a:uFill>
-                <a:hlinkClick r:id="rId3" invalidUrl="" action="" tgtFrame="" tooltip="" history="1" highlightClick="0" endSnd="0"/>
-              </a:rPr>
-              <a:t>http://www.jstor.org/stable/1805618</a:t>
-            </a:r>
-            <a:r>
-              <a:rPr>
-                <a:solidFill>
-                  <a:schemeClr val="accent1"/>
-                </a:solidFill>
-              </a:rPr>
-              <a:t>&gt;</a:t>
-            </a:r>
-            <a:endParaRPr>
-              <a:solidFill>
-                <a:schemeClr val="accent1"/>
-              </a:solidFill>
-            </a:endParaRPr>
-          </a:p>
-          <a:p>
-            <a:pPr marL="0" indent="0">
-              <a:lnSpc>
-                <a:spcPts val="5100"/>
-              </a:lnSpc>
-              <a:spcBef>
-                <a:spcPts val="1200"/>
-              </a:spcBef>
-              <a:buSzTx/>
-              <a:buFontTx/>
-              <a:buNone/>
-              <a:defRPr sz="2800">
-                <a:uFillTx/>
-                <a:latin typeface="Times New Roman"/>
-                <a:ea typeface="Times New Roman"/>
-                <a:cs typeface="Times New Roman"/>
-                <a:sym typeface="Times New Roman"/>
-              </a:defRPr>
-            </a:pPr>
-            <a:r>
-              <a:t>Paul Krugman (2011): </a:t>
-            </a:r>
-            <a:r>
-              <a:rPr i="1">
-                <a:latin typeface="Times"/>
-                <a:ea typeface="Times"/>
-                <a:cs typeface="Times"/>
-                <a:sym typeface="Times"/>
-              </a:rPr>
-              <a:t>Mr. Keynes and the Modern</a:t>
-            </a:r>
-            <a:r>
-              <a:t>s &lt;</a:t>
-            </a:r>
-            <a:r>
-              <a:rPr u="sng">
-                <a:solidFill>
-                  <a:srgbClr val="0000FF"/>
-                </a:solidFill>
-                <a:uFill>
-                  <a:solidFill>
-                    <a:srgbClr val="0000FF"/>
-                  </a:solidFill>
-                </a:uFill>
-                <a:hlinkClick r:id="rId4" invalidUrl="" action="" tgtFrame="" tooltip="" history="1" highlightClick="0" endSnd="0"/>
-              </a:rPr>
-              <a:t>https://voxeu.org/article/mr-keynes-and-moderns</a:t>
-            </a:r>
-            <a:r>
-              <a:rPr>
-                <a:solidFill>
-                  <a:schemeClr val="accent1"/>
-                </a:solidFill>
-              </a:rPr>
-              <a:t>&gt; </a:t>
-            </a:r>
-            <a:endParaRPr>
-              <a:latin typeface="Times"/>
-              <a:ea typeface="Times"/>
-              <a:cs typeface="Times"/>
-              <a:sym typeface="Times"/>
-            </a:endParaRPr>
-          </a:p>
-          <a:p>
-            <a:pPr marL="0" indent="0">
-              <a:lnSpc>
-                <a:spcPts val="5100"/>
-              </a:lnSpc>
-              <a:spcBef>
-                <a:spcPts val="1200"/>
-              </a:spcBef>
-              <a:buSzTx/>
-              <a:buFontTx/>
-              <a:buNone/>
-              <a:defRPr sz="2800">
-                <a:uFillTx/>
-                <a:latin typeface="Times New Roman"/>
-                <a:ea typeface="Times New Roman"/>
-                <a:cs typeface="Times New Roman"/>
-                <a:sym typeface="Times New Roman"/>
-              </a:defRPr>
-            </a:pPr>
-            <a:r>
-              <a:t>Carl Shapiro and Hal Varian (1999): </a:t>
-            </a:r>
-            <a:r>
-              <a:rPr i="1">
-                <a:latin typeface="Times"/>
-                <a:ea typeface="Times"/>
-                <a:cs typeface="Times"/>
-                <a:sym typeface="Times"/>
-              </a:rPr>
-              <a:t>Information Rules: A Strategic Guide to the Network Economy</a:t>
-            </a:r>
-            <a:r>
-              <a:t>, selections &lt;</a:t>
-            </a:r>
-            <a:r>
-              <a:rPr u="sng">
-                <a:solidFill>
-                  <a:srgbClr val="0000FF"/>
-                </a:solidFill>
-                <a:uFill>
-                  <a:solidFill>
-                    <a:srgbClr val="0000FF"/>
-                  </a:solidFill>
-                </a:uFill>
-                <a:hlinkClick r:id="rId5" invalidUrl="" action="" tgtFrame="" tooltip="" history="1" highlightClick="0" endSnd="0"/>
-              </a:rPr>
-              <a:t>https://delong.typepad.com/files/shapiro-variation-rules-selections.pdf</a:t>
-            </a:r>
-            <a:r>
-              <a:t>&gt; </a:t>
+              <a:t>Bob Solow in 1985:</a:t>
+            </a:r>
+          </a:p>
+          <a:p>
+            <a:pPr marL="164591" indent="-164591" defTabSz="219455">
+              <a:spcBef>
+                <a:spcPts val="300"/>
+              </a:spcBef>
+              <a:defRPr sz="1919"/>
+            </a:pPr>
+            <a:r>
+              <a:t>All narrowly economic activity is embedded in a web of social institutions, customs, beliefs, and attitudes. Concrete outcomes are indubitably affected by these background factors, some of which change slowly and gradually, others erratically.... If economists set themselves the task of modeling particular contingent social circumstances, with some sensitivity to context, it seems to me that they would provide exactly the interpretive help an economic historian needs.... </a:t>
+            </a:r>
+          </a:p>
+          <a:p>
+            <a:pPr marL="164591" indent="-164591" defTabSz="219455">
+              <a:spcBef>
+                <a:spcPts val="300"/>
+              </a:spcBef>
+              <a:defRPr sz="1919"/>
+            </a:pPr>
+            <a:r>
+              <a:t>[But] the best and brightest in the [economics] profession proceed as if economics is the physics of society. There is a single universally valid model of the world. It only needs to be applied.... Hard sciences dealing with complex systems... like the hydrogen atom or the optic nerve seem to succeed because they can... experiment, and... make repeated observations under controlled conditions. Other sciences, like astronomy, succeed because they can make long series of observations under natural but essentially stationary conditions.... Neither of these roads to success is open to economists…,</a:t>
             </a:r>
           </a:p>
         </p:txBody>
@@ -4179,7 +4023,7 @@
       </p:sp>
       <p:sp>
         <p:nvSpPr>
-          <p:cNvPr id="112" name="What Are the Insights?"/>
+          <p:cNvPr id="112" name="Why Economic History? II"/>
           <p:cNvSpPr txBox="1"/>
           <p:nvPr>
             <p:ph type="title" idx="4294967295"/>
@@ -4195,30 +4039,30 @@
             <a:normAutofit fontScale="100000" lnSpcReduction="0"/>
           </a:bodyPr>
           <a:lstStyle>
-            <a:lvl1pPr defTabSz="384047">
-              <a:defRPr sz="6719"/>
+            <a:lvl1pPr defTabSz="374904">
+              <a:defRPr sz="6068"/>
             </a:lvl1pPr>
           </a:lstStyle>
           <a:p>
             <a:pPr/>
             <a:r>
-              <a:t>What Are the Insights?</a:t>
-            </a:r>
-          </a:p>
-        </p:txBody>
-      </p:sp>
-      <p:sp>
-        <p:nvSpPr>
-          <p:cNvPr id="113" name="Scene: The Presidential Transition Offices, 8:30 am EST Friday December 5, 2008:"/>
-          <p:cNvSpPr txBox="1"/>
-          <p:nvPr>
-            <p:ph type="body" sz="quarter" idx="4294967295"/>
+              <a:t>Why Economic History? II</a:t>
+            </a:r>
+          </a:p>
+        </p:txBody>
+      </p:sp>
+      <p:sp>
+        <p:nvSpPr>
+          <p:cNvPr id="113" name="The validity of an economic model may depend on the social context. What is here today may be gone tomorrow.... The economist is concerned with making and testing models of the economic world as it now is, or as we think it is. The economic historian can ask whether this or that story rings true when applied in earlier times or other places, and, if not, why not... imagine how things might have been before they became as they now are....…"/>
+          <p:cNvSpPr txBox="1"/>
+          <p:nvPr>
+            <p:ph type="body" idx="4294967295"/>
           </p:nvPr>
         </p:nvSpPr>
         <p:spPr>
           <a:xfrm>
             <a:off x="457200" y="1600200"/>
-            <a:ext cx="8229600" cy="427838"/>
+            <a:ext cx="8229600" cy="4922393"/>
           </a:xfrm>
           <a:prstGeom prst="rect">
             <a:avLst/>
@@ -4230,137 +4074,25 @@
           </a:bodyPr>
           <a:lstStyle/>
           <a:p>
-            <a:pPr marL="305180" indent="-305180" defTabSz="406908">
-              <a:spcBef>
-                <a:spcPts val="600"/>
-              </a:spcBef>
-              <a:defRPr sz="1869"/>
-            </a:pPr>
-            <a:r>
-              <a:rPr b="1"/>
-              <a:t>Scene</a:t>
-            </a:r>
-            <a:r>
-              <a:t>: The Presidential Transition Offices, 8:30 am EST Friday December 5, 2008:</a:t>
-            </a:r>
-          </a:p>
-        </p:txBody>
-      </p:sp>
-      <p:pic>
-        <p:nvPicPr>
-          <p:cNvPr id="114" name="Image" descr="Image"/>
-          <p:cNvPicPr>
-            <a:picLocks noChangeAspect="0"/>
-          </p:cNvPicPr>
-          <p:nvPr/>
-        </p:nvPicPr>
-        <p:blipFill>
-          <a:blip r:embed="rId2">
-            <a:extLst/>
-          </a:blip>
-          <a:stretch>
-            <a:fillRect/>
-          </a:stretch>
-        </p:blipFill>
-        <p:spPr>
-          <a:xfrm>
-            <a:off x="2215716" y="2028037"/>
-            <a:ext cx="6471084" cy="4645496"/>
-          </a:xfrm>
-          <a:prstGeom prst="rect">
-            <a:avLst/>
-          </a:prstGeom>
-          <a:ln w="12700">
-            <a:miter lim="400000"/>
-          </a:ln>
-        </p:spPr>
-      </p:pic>
-      <p:sp>
-        <p:nvSpPr>
-          <p:cNvPr id="115" name="Questions:…"/>
-          <p:cNvSpPr txBox="1"/>
-          <p:nvPr/>
-        </p:nvSpPr>
-        <p:spPr>
-          <a:xfrm>
-            <a:off x="457200" y="2028037"/>
-            <a:ext cx="1758517" cy="4376256"/>
-          </a:xfrm>
-          <a:prstGeom prst="rect">
-            <a:avLst/>
-          </a:prstGeom>
-          <a:ln w="12700">
-            <a:miter lim="400000"/>
-          </a:ln>
-          <a:extLst>
-            <a:ext uri="{C572A759-6A51-4108-AA02-DFA0A04FC94B}">
-              <ma14:wrappingTextBoxFlag xmlns:ma14="http://schemas.microsoft.com/office/mac/drawingml/2011/main" val="1"/>
-            </a:ext>
-          </a:extLst>
-        </p:spPr>
-        <p:txBody>
-          <a:bodyPr lIns="45719" rIns="45719">
-            <a:normAutofit fontScale="100000" lnSpcReduction="0"/>
-          </a:bodyPr>
-          <a:lstStyle/>
-          <a:p>
-            <a:pPr marL="294893" indent="-294893" defTabSz="393192">
-              <a:spcBef>
-                <a:spcPts val="600"/>
-              </a:spcBef>
-              <a:buSzPct val="100000"/>
-              <a:buFont typeface="Arial"/>
-              <a:buChar char="•"/>
-              <a:defRPr sz="1806"/>
-            </a:pPr>
-            <a:r>
-              <a:rPr b="1"/>
-              <a:t>Questions</a:t>
-            </a:r>
-            <a:r>
-              <a:t>: </a:t>
-            </a:r>
-          </a:p>
-          <a:p>
-            <a:pPr marL="294893" indent="-294893" defTabSz="393192">
-              <a:spcBef>
-                <a:spcPts val="600"/>
-              </a:spcBef>
-              <a:buSzPct val="100000"/>
-              <a:buFont typeface="Arial"/>
-              <a:buChar char="•"/>
-              <a:defRPr sz="1806"/>
-            </a:pPr>
-            <a:r>
-              <a:t>Just what is going on? </a:t>
-            </a:r>
-          </a:p>
-          <a:p>
-            <a:pPr marL="294893" indent="-294893" defTabSz="393192">
-              <a:spcBef>
-                <a:spcPts val="600"/>
-              </a:spcBef>
-              <a:buSzPct val="100000"/>
-              <a:buFont typeface="Arial"/>
-              <a:buChar char="•"/>
-              <a:defRPr sz="1806"/>
-            </a:pPr>
-            <a:r>
-              <a:t>What is the government supposed to be doing to stop it from doing that?</a:t>
-            </a:r>
-          </a:p>
-          <a:p>
-            <a:pPr marL="294893" indent="-294893" defTabSz="393192">
-              <a:spcBef>
-                <a:spcPts val="600"/>
-              </a:spcBef>
-              <a:buSzPct val="100000"/>
-              <a:buFont typeface="Arial"/>
-              <a:buChar char="•"/>
-              <a:defRPr sz="1806"/>
-            </a:pPr>
-            <a:r>
-              <a:t>What can our economists tell us about the best policy response? </a:t>
+            <a:pPr marL="205739" indent="-205739" defTabSz="274320">
+              <a:spcBef>
+                <a:spcPts val="400"/>
+              </a:spcBef>
+              <a:defRPr sz="2400"/>
+            </a:pPr>
+            <a:r>
+              <a:t>The validity of an economic model may depend on the social context. What is here today may be gone tomorrow.... The economist is concerned with making and testing models of the economic world as it now is, or as we think it is. The economic historian can ask whether this or that story rings true when applied in earlier times or other places, and, if not, why not... imagine how things might have been before they became as they now are.... </a:t>
+            </a:r>
+          </a:p>
+          <a:p>
+            <a:pPr marL="205739" indent="-205739" defTabSz="274320">
+              <a:spcBef>
+                <a:spcPts val="400"/>
+              </a:spcBef>
+              <a:defRPr sz="2400"/>
+            </a:pPr>
+            <a:r>
+              <a:t>Economic history can offer the economist a sense of the variety and flexibility of social arrangements and thus, in particular, a shot at understanding a little better the interaction of economic behavior and other social institutions...</a:t>
             </a:r>
           </a:p>
         </p:txBody>
@@ -4535,7 +4267,7 @@
       </p:grpSpPr>
       <p:sp>
         <p:nvSpPr>
-          <p:cNvPr id="117" name="Slide Number"/>
+          <p:cNvPr id="115" name="Slide Number"/>
           <p:cNvSpPr txBox="1"/>
           <p:nvPr>
             <p:ph type="sldNum" sz="quarter" idx="2"/>
@@ -4562,7 +4294,7 @@
       </p:sp>
       <p:sp>
         <p:nvSpPr>
-          <p:cNvPr id="118" name="Scene: The Bretton Woods Hotel, in Bretton Woods, NH, in April 2011"/>
+          <p:cNvPr id="116" name="Why Economic History? III"/>
           <p:cNvSpPr txBox="1"/>
           <p:nvPr>
             <p:ph type="title" idx="4294967295"/>
@@ -4574,23 +4306,25 @@
           </a:prstGeom>
         </p:spPr>
         <p:txBody>
-          <a:bodyPr/>
+          <a:bodyPr>
+            <a:normAutofit fontScale="100000" lnSpcReduction="0"/>
+          </a:bodyPr>
           <a:lstStyle>
-            <a:lvl1pPr>
-              <a:defRPr sz="4200"/>
+            <a:lvl1pPr defTabSz="365760">
+              <a:defRPr sz="5920"/>
             </a:lvl1pPr>
           </a:lstStyle>
           <a:p>
             <a:pPr/>
             <a:r>
-              <a:t>Scene: The Bretton Woods Hotel, in Bretton Woods, NH, in April 2011</a:t>
-            </a:r>
-          </a:p>
-        </p:txBody>
-      </p:sp>
-      <p:sp>
-        <p:nvSpPr>
-          <p:cNvPr id="119" name="Martin Wolf: How far do you feel that what we have experienced in the last few years suggests that economists just did not understand what was going on?…"/>
+              <a:t>Why Economic History? III</a:t>
+            </a:r>
+          </a:p>
+        </p:txBody>
+      </p:sp>
+      <p:sp>
+        <p:nvSpPr>
+          <p:cNvPr id="117" name="And:…"/>
           <p:cNvSpPr txBox="1"/>
           <p:nvPr>
             <p:ph type="body" idx="4294967295"/>
@@ -4599,7 +4333,7 @@
         <p:spPr>
           <a:xfrm>
             <a:off x="457200" y="1600200"/>
-            <a:ext cx="8229600" cy="4655195"/>
+            <a:ext cx="8229600" cy="4922393"/>
           </a:xfrm>
           <a:prstGeom prst="rect">
             <a:avLst/>
@@ -4611,41 +4345,44 @@
           </a:bodyPr>
           <a:lstStyle/>
           <a:p>
-            <a:pPr marL="0" indent="0" defTabSz="429768">
+            <a:pPr marL="0" indent="0" defTabSz="182880">
+              <a:spcBef>
+                <a:spcPts val="300"/>
+              </a:spcBef>
               <a:buSzTx/>
               <a:buFontTx/>
               <a:buNone/>
-              <a:defRPr sz="2350"/>
-            </a:pPr>
-            <a:r>
-              <a:rPr b="1"/>
-              <a:t>Martin Wolf:</a:t>
-            </a:r>
-            <a:r>
-              <a:t> How far do you feel that what we have experienced in the last few years suggests that economists just did not understand what was going on?</a:t>
-            </a:r>
-          </a:p>
-          <a:p>
-            <a:pPr marL="0" indent="0" defTabSz="429768">
-              <a:buSzTx/>
-              <a:buFontTx/>
-              <a:buNone/>
-              <a:defRPr sz="2350"/>
-            </a:pPr>
-            <a:r>
-              <a:rPr b="1"/>
-              <a:t>Larry Summers</a:t>
-            </a:r>
-            <a:r>
-              <a:t>: There are things economists did not know. There are things economists were wrong about. And there are things where some economists were right…</a:t>
-            </a:r>
-          </a:p>
-          <a:p>
-            <a:pPr marL="322325" indent="-322325" defTabSz="429768">
-              <a:defRPr sz="2350"/>
-            </a:pPr>
-            <a:r>
-              <a:t>…When I was in the government, I got a lot of papers…. I attempted to read all of the ones that used the words "leverage," "liquidity," "deflation," or “depression”… I attempted to read none of the ones that used the words "neoclassical," "choice-theoretic," "real business cycle," or "optimizing model of”. There were more in the second… </a:t>
+              <a:defRPr b="1" sz="1600">
+                <a:latin typeface="+mj-lt"/>
+                <a:ea typeface="+mj-ea"/>
+                <a:cs typeface="+mj-cs"/>
+                <a:sym typeface="Helvetica"/>
+              </a:defRPr>
+            </a:pPr>
+            <a:r>
+              <a:t>And:</a:t>
+            </a:r>
+          </a:p>
+          <a:p>
+            <a:pPr marL="137159" indent="-137159" defTabSz="182880">
+              <a:spcBef>
+                <a:spcPts val="300"/>
+              </a:spcBef>
+              <a:defRPr sz="1600"/>
+            </a:pPr>
+            <a:r>
+              <a:t>Unfortunately, however, economics is a social science. It is subject to Damon Runyon's Law that nothing between human beings is more than three to one…. Much of what we observe cannot be treated as the realization of a stationary stochastic process without straining credulity…. My impression is that the best and brightest in the profession proceed as if economics is the physics of society. There is a single universally valid model of the world. It only needs to be applied. </a:t>
+            </a:r>
+          </a:p>
+          <a:p>
+            <a:pPr marL="137159" indent="-137159" defTabSz="182880">
+              <a:spcBef>
+                <a:spcPts val="300"/>
+              </a:spcBef>
+              <a:defRPr sz="1600"/>
+            </a:pPr>
+            <a:r>
+              <a:t>You could drop a modern economist from a time machine- a helicopter, maybe, like the one that drops the money-at any time, in any place, along with his or her personal computer; he or she could set up in business without even bothering to ask what time and which place. In a little while, the up-to-date economist will have maximized a familiar-looking present-value integral, made a few familiar log-linear approximations, and run the obligatory familiar regression. The familiar coefficients will be poorly determined, but about one-twentieth of them will be significant at the 5 percent level…. The other nineteen do not have to be published. With a little judicious selection here and there, it will turn out that the data are just barely consistent with your thesis adviser's hypothesis... everywhere and always, modulo an information asymmetry, any old informa- tion asymmetry, don't worry, you'll think of one.... If the project of turning economics into a hard science could succeed, it would surely be worth doing. No doubt some of us should keep trying...</a:t>
             </a:r>
           </a:p>
         </p:txBody>
@@ -4678,7 +4415,7 @@
       </p:grpSpPr>
       <p:sp>
         <p:nvSpPr>
-          <p:cNvPr id="121" name="Slide Number"/>
+          <p:cNvPr id="119" name="Slide Number"/>
           <p:cNvSpPr txBox="1"/>
           <p:nvPr>
             <p:ph type="sldNum" sz="quarter" idx="2"/>
@@ -4705,7 +4442,7 @@
       </p:sp>
       <p:sp>
         <p:nvSpPr>
-          <p:cNvPr id="122" name="Bretton Woods Hotel II"/>
+          <p:cNvPr id="120" name="Why Economic History? IV"/>
           <p:cNvSpPr txBox="1"/>
           <p:nvPr>
             <p:ph type="title" idx="4294967295"/>
@@ -4721,21 +4458,21 @@
             <a:normAutofit fontScale="100000" lnSpcReduction="0"/>
           </a:bodyPr>
           <a:lstStyle>
-            <a:lvl1pPr defTabSz="384047">
-              <a:defRPr sz="6719"/>
+            <a:lvl1pPr defTabSz="361188">
+              <a:defRPr sz="5846"/>
             </a:lvl1pPr>
           </a:lstStyle>
           <a:p>
             <a:pPr/>
             <a:r>
-              <a:t>Bretton Woods Hotel II</a:t>
-            </a:r>
-          </a:p>
-        </p:txBody>
-      </p:sp>
-      <p:sp>
-        <p:nvSpPr>
-          <p:cNvPr id="123" name="Larry Summers (cont.): …But there were a reasonable number in the first. And they told you a lot. There is a lot in [Walter] Bagehot['s 1873 Lombard Street] about the crisis we just went through. There is more in [Hyman] Minsky. And there is still more in [Charles] Kindleberger['s 1978 Manias, Panics, and Crashes]….…"/>
+              <a:t>Why Economic History? IV</a:t>
+            </a:r>
+          </a:p>
+        </p:txBody>
+      </p:sp>
+      <p:sp>
+        <p:nvSpPr>
+          <p:cNvPr id="121" name="The other nineteen do not have to be published.…"/>
           <p:cNvSpPr txBox="1"/>
           <p:nvPr>
             <p:ph type="body" idx="4294967295"/>
@@ -4744,7 +4481,7 @@
         <p:spPr>
           <a:xfrm>
             <a:off x="457200" y="1600200"/>
-            <a:ext cx="8229600" cy="4655195"/>
+            <a:ext cx="8229600" cy="4922393"/>
           </a:xfrm>
           <a:prstGeom prst="rect">
             <a:avLst/>
@@ -4756,37 +4493,36 @@
           </a:bodyPr>
           <a:lstStyle/>
           <a:p>
-            <a:pPr marL="329183" indent="-329183" defTabSz="438911">
-              <a:defRPr sz="2400"/>
-            </a:pPr>
-            <a:r>
-              <a:rPr b="1"/>
-              <a:t>Larry Summers (cont.)</a:t>
-            </a:r>
-            <a:r>
-              <a:t>: …But there were a reasonable number in the first. And they told you a lot. There is a lot in [Walter] Bagehot['s 1873 </a:t>
-            </a:r>
-            <a:r>
-              <a:rPr i="1"/>
-              <a:t>Lombard Street</a:t>
-            </a:r>
-            <a:r>
-              <a:t>] about the crisis we just went through. There is more in [Hyman] Minsky. And there is still more in [Charles] Kindleberger['s 1978 </a:t>
-            </a:r>
-            <a:r>
-              <a:rPr i="1"/>
-              <a:t>Manias, Panics, and Crashes</a:t>
-            </a:r>
-            <a:r>
-              <a:t>]…. </a:t>
-            </a:r>
-          </a:p>
-          <a:p>
-            <a:pPr marL="329183" indent="-329183" defTabSz="438911">
-              <a:defRPr sz="2400"/>
-            </a:pPr>
-            <a:r>
-              <a:t>There are enormous amounts that are essentially distracting, confusing, and problem-denying in the stuff that is the substance of the first year course in Ph.D. programs. I think economics knows a fair amount. I think economics has forgotten a fair amount that is relevant. And it has been distracted by an enormous amount…</a:t>
+            <a:pPr marL="253745" indent="-253745" defTabSz="338327">
+              <a:spcBef>
+                <a:spcPts val="500"/>
+              </a:spcBef>
+              <a:defRPr sz="2960"/>
+            </a:pPr>
+            <a:r>
+              <a:t>The other nineteen do not have to be published. </a:t>
+            </a:r>
+          </a:p>
+          <a:p>
+            <a:pPr marL="253745" indent="-253745" defTabSz="338327">
+              <a:spcBef>
+                <a:spcPts val="500"/>
+              </a:spcBef>
+              <a:defRPr sz="2960"/>
+            </a:pPr>
+            <a:r>
+              <a:t>With a little judicious selection here and there, it will turn out that the data are just barely consistent with your thesis adviser's hypothesis... everywhere and always, modulo an information asymmetry, any old information asymmetry, don't worry, you'll think of one.... </a:t>
+            </a:r>
+          </a:p>
+          <a:p>
+            <a:pPr marL="253745" indent="-253745" defTabSz="338327">
+              <a:spcBef>
+                <a:spcPts val="500"/>
+              </a:spcBef>
+              <a:defRPr sz="2960"/>
+            </a:pPr>
+            <a:r>
+              <a:t>If the project of turning economics into a hard science could succeed, it would surely be worth doing. No doubt some of us should keep trying...</a:t>
             </a:r>
           </a:p>
         </p:txBody>
@@ -4819,7 +4555,7 @@
       </p:grpSpPr>
       <p:sp>
         <p:nvSpPr>
-          <p:cNvPr id="125" name="Slide Number"/>
+          <p:cNvPr id="123" name="Slide Number"/>
           <p:cNvSpPr txBox="1"/>
           <p:nvPr>
             <p:ph type="sldNum" sz="quarter" idx="2"/>
@@ -4846,7 +4582,37 @@
       </p:sp>
       <p:sp>
         <p:nvSpPr>
-          <p:cNvPr id="126" name="Larry Summers (cont.): …People who were practical understood… liquidity finding its way into… asset price inflation and being problematic… but those concepts were at the very edge—or in many cases not even at the very edge—of contemporary macroeconomics, to the great detriment of contemporary macroeconomics.…"/>
+          <p:cNvPr id="124" name="Why Economic History? V"/>
+          <p:cNvSpPr txBox="1"/>
+          <p:nvPr>
+            <p:ph type="title" idx="4294967295"/>
+          </p:nvPr>
+        </p:nvSpPr>
+        <p:spPr>
+          <a:prstGeom prst="rect">
+            <a:avLst/>
+          </a:prstGeom>
+        </p:spPr>
+        <p:txBody>
+          <a:bodyPr>
+            <a:normAutofit fontScale="100000" lnSpcReduction="0"/>
+          </a:bodyPr>
+          <a:lstStyle>
+            <a:lvl1pPr defTabSz="370331">
+              <a:defRPr sz="5994"/>
+            </a:lvl1pPr>
+          </a:lstStyle>
+          <a:p>
+            <a:pPr/>
+            <a:r>
+              <a:t>Why Economic History? V</a:t>
+            </a:r>
+          </a:p>
+        </p:txBody>
+      </p:sp>
+      <p:sp>
+        <p:nvSpPr>
+          <p:cNvPr id="125" name="We are now:…"/>
           <p:cNvSpPr txBox="1"/>
           <p:nvPr>
             <p:ph type="body" idx="4294967295"/>
@@ -4855,7 +4621,7 @@
         <p:spPr>
           <a:xfrm>
             <a:off x="457200" y="1600200"/>
-            <a:ext cx="8229600" cy="4655195"/>
+            <a:ext cx="8229600" cy="4922393"/>
           </a:xfrm>
           <a:prstGeom prst="rect">
             <a:avLst/>
@@ -4867,84 +4633,85 @@
           </a:bodyPr>
           <a:lstStyle/>
           <a:p>
-            <a:pPr marL="209168" indent="-209168" defTabSz="278892">
-              <a:spcBef>
-                <a:spcPts val="400"/>
-              </a:spcBef>
-              <a:defRPr sz="2196"/>
-            </a:pPr>
-            <a:r>
-              <a:rPr b="1"/>
-              <a:t>Larry Summers (cont.)</a:t>
-            </a:r>
-            <a:r>
-              <a:t>: …People who were practical understood… liquidity finding its way into… asset price inflation and being problematic… but those concepts were at the very edge—or in many cases not even at the very edge—of contemporary macroeconomics, to the great detriment of contemporary macroeconomics. </a:t>
-            </a:r>
-          </a:p>
-          <a:p>
-            <a:pPr marL="209168" indent="-209168" defTabSz="278892">
-              <a:spcBef>
-                <a:spcPts val="400"/>
-              </a:spcBef>
-              <a:defRPr sz="2196"/>
-            </a:pPr>
-            <a:r>
-              <a:t>The wisdom that is in the Bagehot-Minsky-Kindleberger-Eichengreen-Akerlof-Shiller… runs way ahead of those who bring negative attitudes to economics.… We make a serious mistake when we throw the baby out with the bathwater…. </a:t>
-            </a:r>
-          </a:p>
-          <a:p>
-            <a:pPr marL="209168" indent="-209168" defTabSz="278892">
-              <a:spcBef>
-                <a:spcPts val="400"/>
-              </a:spcBef>
-              <a:defRPr sz="2196"/>
-            </a:pPr>
-            <a:r>
-              <a:t>But… the vast edifice in both its new Keynesian variety and its new classical variety of attempting to place microfoundations under macroeconomics was not something that informed the policy-making process in any important way…</a:t>
-            </a:r>
-          </a:p>
-        </p:txBody>
-      </p:sp>
-      <p:sp>
-        <p:nvSpPr>
-          <p:cNvPr id="127" name="Bretton Woods Hotel III"/>
-          <p:cNvSpPr txBox="1"/>
-          <p:nvPr/>
-        </p:nvSpPr>
-        <p:spPr>
-          <a:xfrm>
-            <a:off x="457200" y="-1"/>
-            <a:ext cx="8229600" cy="1508126"/>
-          </a:xfrm>
-          <a:prstGeom prst="rect">
-            <a:avLst/>
-          </a:prstGeom>
-          <a:ln w="12700">
-            <a:miter lim="400000"/>
-          </a:ln>
-          <a:extLst>
-            <a:ext uri="{C572A759-6A51-4108-AA02-DFA0A04FC94B}">
-              <ma14:wrappingTextBoxFlag xmlns:ma14="http://schemas.microsoft.com/office/mac/drawingml/2011/main" val="1"/>
-            </a:ext>
-          </a:extLst>
-        </p:spPr>
-        <p:txBody>
-          <a:bodyPr lIns="45719" rIns="45719" anchor="ctr">
-            <a:normAutofit fontScale="100000" lnSpcReduction="0"/>
-          </a:bodyPr>
-          <a:lstStyle>
-            <a:lvl1pPr algn="ctr" defTabSz="374904">
-              <a:defRPr b="1" sz="6560">
-                <a:solidFill>
-                  <a:srgbClr val="000080"/>
-                </a:solidFill>
-              </a:defRPr>
-            </a:lvl1pPr>
-          </a:lstStyle>
-          <a:p>
-            <a:pPr/>
-            <a:r>
-              <a:t>Bretton Woods Hotel III</a:t>
+            <a:pPr marL="226313" indent="-226313" defTabSz="301752">
+              <a:spcBef>
+                <a:spcPts val="500"/>
+              </a:spcBef>
+              <a:defRPr sz="2640"/>
+            </a:pPr>
+            <a:r>
+              <a:t>We are now:</a:t>
+            </a:r>
+          </a:p>
+          <a:p>
+            <a:pPr lvl="1" marL="528065" indent="-226313" defTabSz="301752">
+              <a:spcBef>
+                <a:spcPts val="500"/>
+              </a:spcBef>
+              <a:buChar char="•"/>
+              <a:defRPr sz="2640"/>
+            </a:pPr>
+            <a:r>
+              <a:t>Too good at making theories…</a:t>
+            </a:r>
+          </a:p>
+          <a:p>
+            <a:pPr lvl="2" marL="829817" indent="-226313" defTabSz="301752">
+              <a:spcBef>
+                <a:spcPts val="500"/>
+              </a:spcBef>
+              <a:defRPr sz="2640"/>
+            </a:pPr>
+            <a:r>
+              <a:t>For every ε&gt;0, there exists a δ such that a theorist can build a model M</a:t>
+            </a:r>
+            <a:r>
+              <a:rPr baseline="-5999"/>
+              <a:t>δ</a:t>
+            </a:r>
+            <a:r>
+              <a:t> within δ of complete theoretical rigor so that the conclusions C(M</a:t>
+            </a:r>
+            <a:r>
+              <a:rPr baseline="-5999"/>
+              <a:t>δ</a:t>
+            </a:r>
+            <a:r>
+              <a:t>) are within ε of what the economist desires to prove…</a:t>
+            </a:r>
+          </a:p>
+          <a:p>
+            <a:pPr lvl="1" marL="528065" indent="-226313" defTabSz="301752">
+              <a:spcBef>
+                <a:spcPts val="500"/>
+              </a:spcBef>
+              <a:buChar char="•"/>
+              <a:defRPr sz="2640"/>
+            </a:pPr>
+            <a:r>
+              <a:t>Too good at doing econometrics…</a:t>
+            </a:r>
+          </a:p>
+          <a:p>
+            <a:pPr lvl="2" marL="829817" indent="-226313" defTabSz="301752">
+              <a:spcBef>
+                <a:spcPts val="500"/>
+              </a:spcBef>
+              <a:defRPr sz="2640"/>
+            </a:pPr>
+            <a:r>
+              <a:t>Results we do not like can be dismissed as not properly identified…</a:t>
+            </a:r>
+          </a:p>
+          <a:p>
+            <a:pPr lvl="2" marL="829817" indent="-226313" defTabSz="301752">
+              <a:spcBef>
+                <a:spcPts val="500"/>
+              </a:spcBef>
+              <a:defRPr sz="2640"/>
+            </a:pPr>
+            <a:r>
+              <a:t>Results we want to attain can be attained by some sufficiently clever choice of instrument…</a:t>
             </a:r>
           </a:p>
         </p:txBody>
@@ -4977,7 +4744,7 @@
       </p:grpSpPr>
       <p:sp>
         <p:nvSpPr>
-          <p:cNvPr id="129" name="Slide Number"/>
+          <p:cNvPr id="127" name="Slide Number"/>
           <p:cNvSpPr txBox="1"/>
           <p:nvPr>
             <p:ph type="sldNum" sz="quarter" idx="2"/>
@@ -5004,7 +4771,7 @@
       </p:sp>
       <p:sp>
         <p:nvSpPr>
-          <p:cNvPr id="130" name="Insights: Warsh on Shapiro and Varian’s Information Rules"/>
+          <p:cNvPr id="128" name="Why Economic History? VI"/>
           <p:cNvSpPr txBox="1"/>
           <p:nvPr>
             <p:ph type="title" idx="4294967295"/>
@@ -5016,23 +4783,25 @@
           </a:prstGeom>
         </p:spPr>
         <p:txBody>
-          <a:bodyPr/>
-          <a:lstStyle/>
+          <a:bodyPr>
+            <a:normAutofit fontScale="100000" lnSpcReduction="0"/>
+          </a:bodyPr>
+          <a:lstStyle>
+            <a:lvl1pPr defTabSz="361188">
+              <a:defRPr sz="5846"/>
+            </a:lvl1pPr>
+          </a:lstStyle>
           <a:p>
             <a:pPr/>
             <a:r>
-              <a:t>Insights: Warsh on Shapiro and Varian’s </a:t>
-            </a:r>
-            <a:r>
-              <a:rPr i="1"/>
-              <a:t>Information Rules</a:t>
-            </a:r>
-          </a:p>
-        </p:txBody>
-      </p:sp>
-      <p:sp>
-        <p:nvSpPr>
-          <p:cNvPr id="131" name="David Warsh: As they increasingly were drawn into the policy battles of the information age, Shapiro and Varian heard the constant refrain… the old rules had been broken; a new set of principles was required to guide business strategy and public policy…. But, they said, ou don't need a brand-new economics. You just need to see the really cool stuff. Incompatible standards… Edison and Westinghouse in electricity…. Neither positive feedback and network externalities… is… recent…. Railroads, highways, electricity grids, television, e-mail: all obey the same basic principles…"/>
+              <a:t>Why Economic History? VI</a:t>
+            </a:r>
+          </a:p>
+        </p:txBody>
+      </p:sp>
+      <p:sp>
+        <p:nvSpPr>
+          <p:cNvPr id="129" name="We are now:…"/>
           <p:cNvSpPr txBox="1"/>
           <p:nvPr>
             <p:ph type="body" idx="4294967295"/>
@@ -5041,7 +4810,7 @@
         <p:spPr>
           <a:xfrm>
             <a:off x="457200" y="1600200"/>
-            <a:ext cx="8229600" cy="4655195"/>
+            <a:ext cx="8229600" cy="4922393"/>
           </a:xfrm>
           <a:prstGeom prst="rect">
             <a:avLst/>
@@ -5053,15 +4822,85 @@
           </a:bodyPr>
           <a:lstStyle/>
           <a:p>
-            <a:pPr marL="325754" indent="-325754" defTabSz="434340">
-              <a:defRPr sz="2660"/>
-            </a:pPr>
-            <a:r>
-              <a:rPr b="1"/>
-              <a:t>David Warsh</a:t>
-            </a:r>
-            <a:r>
-              <a:t>: As they increasingly were drawn into the policy battles of the information age, Shapiro and Varian heard the constant refrain… the old rules had been broken; a new set of principles was required to guide business strategy and public policy…. But, they said, ou don't need a brand-new economics. You just need to see the really cool stuff. Incompatible standards… Edison and Westinghouse in electricity…. Neither positive feedback and network externalities… is… recent…. Railroads, highways, electricity grids, television, e-mail: all obey the same basic principles…</a:t>
+            <a:pPr marL="226313" indent="-226313" defTabSz="301752">
+              <a:spcBef>
+                <a:spcPts val="500"/>
+              </a:spcBef>
+              <a:defRPr sz="2640"/>
+            </a:pPr>
+            <a:r>
+              <a:t>We are now:</a:t>
+            </a:r>
+          </a:p>
+          <a:p>
+            <a:pPr lvl="1" marL="528065" indent="-226313" defTabSz="301752">
+              <a:spcBef>
+                <a:spcPts val="500"/>
+              </a:spcBef>
+              <a:buChar char="•"/>
+              <a:defRPr sz="2640"/>
+            </a:pPr>
+            <a:r>
+              <a:t>Too good at making theories…</a:t>
+            </a:r>
+          </a:p>
+          <a:p>
+            <a:pPr lvl="2" marL="829817" indent="-226313" defTabSz="301752">
+              <a:spcBef>
+                <a:spcPts val="500"/>
+              </a:spcBef>
+              <a:defRPr sz="2640"/>
+            </a:pPr>
+            <a:r>
+              <a:t>For every ε&gt;0, there exists an N index of theoretical complexity such that a theorist can build a model M</a:t>
+            </a:r>
+            <a:r>
+              <a:rPr baseline="-5999"/>
+              <a:t>N</a:t>
+            </a:r>
+            <a:r>
+              <a:t> so that the model’s conclusions C(M</a:t>
+            </a:r>
+            <a:r>
+              <a:rPr baseline="-5999"/>
+              <a:t>N</a:t>
+            </a:r>
+            <a:r>
+              <a:t>) are within ε of what the economist desires to prove…</a:t>
+            </a:r>
+          </a:p>
+          <a:p>
+            <a:pPr lvl="1" marL="528065" indent="-226313" defTabSz="301752">
+              <a:spcBef>
+                <a:spcPts val="500"/>
+              </a:spcBef>
+              <a:buChar char="•"/>
+              <a:defRPr sz="2640"/>
+            </a:pPr>
+            <a:r>
+              <a:t>Too good at doing econometrics…</a:t>
+            </a:r>
+          </a:p>
+          <a:p>
+            <a:pPr lvl="2" marL="829817" indent="-226313" defTabSz="301752">
+              <a:spcBef>
+                <a:spcPts val="500"/>
+              </a:spcBef>
+              <a:defRPr sz="2640"/>
+            </a:pPr>
+            <a:r>
+              <a:t>Results we do not like can be dismissed as not properly identified…</a:t>
+            </a:r>
+          </a:p>
+          <a:p>
+            <a:pPr lvl="2" marL="829817" indent="-226313" defTabSz="301752">
+              <a:spcBef>
+                <a:spcPts val="500"/>
+              </a:spcBef>
+              <a:defRPr sz="2640"/>
+            </a:pPr>
+            <a:r>
+              <a:t>Results we want to attain can be attained by some sufficiently clever choice of instrument…</a:t>
             </a:r>
           </a:p>
         </p:txBody>
@@ -5094,16 +4933,73 @@
       </p:grpSpPr>
       <p:sp>
         <p:nvSpPr>
-          <p:cNvPr id="133" name="Insights: Solow"/>
+          <p:cNvPr id="131" name="Slide Number"/>
+          <p:cNvSpPr txBox="1"/>
+          <p:nvPr>
+            <p:ph type="sldNum" sz="quarter" idx="2"/>
+          </p:nvPr>
+        </p:nvSpPr>
+        <p:spPr>
+          <a:prstGeom prst="rect">
+            <a:avLst/>
+          </a:prstGeom>
+          <a:extLst>
+            <a:ext uri="{C572A759-6A51-4108-AA02-DFA0A04FC94B}">
+              <ma14:wrappingTextBoxFlag xmlns:ma14="http://schemas.microsoft.com/office/mac/drawingml/2011/main" val="1"/>
+            </a:ext>
+          </a:extLst>
+        </p:spPr>
+        <p:txBody>
+          <a:bodyPr/>
+          <a:lstStyle/>
+          <a:p>
+            <a:pPr/>
+            <a:fld id="{86CB4B4D-7CA3-9044-876B-883B54F8677D}" type="slidenum"/>
+          </a:p>
+        </p:txBody>
+      </p:sp>
+      <p:sp>
+        <p:nvSpPr>
+          <p:cNvPr id="132" name="Why Economic History? VII"/>
           <p:cNvSpPr txBox="1"/>
           <p:nvPr>
             <p:ph type="title" idx="4294967295"/>
           </p:nvPr>
         </p:nvSpPr>
         <p:spPr>
+          <a:prstGeom prst="rect">
+            <a:avLst/>
+          </a:prstGeom>
+        </p:spPr>
+        <p:txBody>
+          <a:bodyPr>
+            <a:normAutofit fontScale="100000" lnSpcReduction="0"/>
+          </a:bodyPr>
+          <a:lstStyle>
+            <a:lvl1pPr defTabSz="352043">
+              <a:defRPr sz="5698"/>
+            </a:lvl1pPr>
+          </a:lstStyle>
+          <a:p>
+            <a:pPr/>
+            <a:r>
+              <a:t>Why Economic History? VII</a:t>
+            </a:r>
+          </a:p>
+        </p:txBody>
+      </p:sp>
+      <p:sp>
+        <p:nvSpPr>
+          <p:cNvPr id="133" name="Is a theoretical result an interesting constraint on reality, or a demonstration of the ingenuity of the researcher?…"/>
+          <p:cNvSpPr txBox="1"/>
+          <p:nvPr>
+            <p:ph type="body" idx="4294967295"/>
+          </p:nvPr>
+        </p:nvSpPr>
+        <p:spPr>
           <a:xfrm>
-            <a:off x="457200" y="-1"/>
-            <a:ext cx="8229600" cy="1143002"/>
+            <a:off x="457200" y="1600200"/>
+            <a:ext cx="8229600" cy="4922393"/>
           </a:xfrm>
           <a:prstGeom prst="rect">
             <a:avLst/>
@@ -5115,93 +5011,70 @@
           </a:bodyPr>
           <a:lstStyle/>
           <a:p>
-            <a:pPr/>
-            <a:r>
-              <a:t>Insights: Solow</a:t>
-            </a:r>
-          </a:p>
-        </p:txBody>
-      </p:sp>
-      <p:sp>
-        <p:nvSpPr>
-          <p:cNvPr id="134" name="Robert Solow: Complicated system... cannot conduct controlled experiments... a social science... subject to Damon Runyon's Law that nothing between human beings is more than three to one... narrowly economic activity is embedded in a web of social institutions, customs, beliefs, and attitudes….…"/>
-          <p:cNvSpPr txBox="1"/>
-          <p:nvPr>
-            <p:ph type="body" idx="4294967295"/>
-          </p:nvPr>
-        </p:nvSpPr>
-        <p:spPr>
-          <a:xfrm>
-            <a:off x="457200" y="1600200"/>
-            <a:ext cx="8229600" cy="4989513"/>
-          </a:xfrm>
-          <a:prstGeom prst="rect">
-            <a:avLst/>
-          </a:prstGeom>
-        </p:spPr>
-        <p:txBody>
-          <a:bodyPr>
-            <a:normAutofit fontScale="100000" lnSpcReduction="0"/>
-          </a:bodyPr>
-          <a:lstStyle/>
-          <a:p>
-            <a:pPr marL="226314" indent="-226314" defTabSz="301752">
-              <a:lnSpc>
-                <a:spcPct val="80000"/>
-              </a:lnSpc>
-              <a:spcBef>
-                <a:spcPts val="300"/>
-              </a:spcBef>
-              <a:defRPr sz="2112"/>
-            </a:pPr>
-            <a:r>
-              <a:rPr b="1"/>
-              <a:t>Robert Solow:</a:t>
-            </a:r>
-            <a:r>
-              <a:t> Complicated system... cannot conduct controlled experiments... a social science... subject to Damon Runyon's Law that nothing between human beings is more than three to one... narrowly economic activity is embedded in a web of social institutions, customs, beliefs, and attitudes….</a:t>
-            </a:r>
-          </a:p>
-          <a:p>
-            <a:pPr marL="226314" indent="-226314" defTabSz="301752">
-              <a:lnSpc>
-                <a:spcPct val="80000"/>
-              </a:lnSpc>
-              <a:spcBef>
-                <a:spcPts val="300"/>
-              </a:spcBef>
-              <a:defRPr sz="2112"/>
-            </a:pPr>
-            <a:r>
-              <a:t>As soon as time-series get long enough to offer hope of discriminating among complex hypotheses, the likelihood that they remain stationary dwindles away, and the noise level gets correspondingly high. Under these circumstances, a little cleverness and persistence can get you almost any result you want…. </a:t>
-            </a:r>
-          </a:p>
-          <a:p>
-            <a:pPr marL="226314" indent="-226314" defTabSz="301752">
-              <a:lnSpc>
-                <a:spcPct val="80000"/>
-              </a:lnSpc>
-              <a:spcBef>
-                <a:spcPts val="300"/>
-              </a:spcBef>
-              <a:defRPr sz="2112"/>
-            </a:pPr>
-            <a:r>
-              <a:t>If the project of turning economics into a hard science could succeed, it would surely be worth doing. No doubt some of us should keep trying…. </a:t>
-            </a:r>
-          </a:p>
-          <a:p>
-            <a:pPr marL="226314" indent="-226314" defTabSz="301752">
-              <a:lnSpc>
-                <a:spcPct val="80000"/>
-              </a:lnSpc>
-              <a:spcBef>
-                <a:spcPts val="300"/>
-              </a:spcBef>
-              <a:defRPr sz="2112"/>
-            </a:pPr>
-            <a:r>
-              <a:t>The economic historian can ask whether this or that [model-]story rings true when applied in earlier times or other places, and, if not, why not... offer… a sense of the variety and flexibility of social arrangements... the interaction of economic behavior and other social institutions…</a:t>
+            <a:pPr marL="205739" indent="-205739" defTabSz="274320">
+              <a:spcBef>
+                <a:spcPts val="400"/>
+              </a:spcBef>
+              <a:defRPr sz="2400"/>
+            </a:pPr>
+            <a:r>
+              <a:t>Is a theoretical result an interesting constraint on reality, or a demonstration of the ingenuity of the researcher? </a:t>
+            </a:r>
+          </a:p>
+          <a:p>
+            <a:pPr marL="205739" indent="-205739" defTabSz="274320">
+              <a:spcBef>
+                <a:spcPts val="400"/>
+              </a:spcBef>
+              <a:defRPr sz="2400"/>
+            </a:pPr>
+            <a:r>
+              <a:t>Is an econometric-empirical result a robust finding about the world out there, or a demonstration that research assistants desperate to please jet-setting tenured bosses can do amazing things?</a:t>
+            </a:r>
+          </a:p>
+          <a:p>
+            <a:pPr marL="205739" indent="-205739" defTabSz="274320">
+              <a:spcBef>
+                <a:spcPts val="400"/>
+              </a:spcBef>
+              <a:defRPr sz="2400"/>
+            </a:pPr>
+            <a:r>
+              <a:t>This is not to say that things were not worse in the old days, before the identification revolution</a:t>
+            </a:r>
+          </a:p>
+          <a:p>
+            <a:pPr lvl="1" marL="480059" indent="-205739" defTabSz="274320">
+              <a:spcBef>
+                <a:spcPts val="400"/>
+              </a:spcBef>
+              <a:buChar char="•"/>
+              <a:defRPr sz="2400"/>
+            </a:pPr>
+            <a:r>
+              <a:t>But we still have a replication problem…</a:t>
+            </a:r>
+          </a:p>
+          <a:p>
+            <a:pPr marL="205739" indent="-205739" defTabSz="274320">
+              <a:spcBef>
+                <a:spcPts val="400"/>
+              </a:spcBef>
+              <a:defRPr sz="2400"/>
+            </a:pPr>
+          </a:p>
+          <a:p>
+            <a:pPr marL="0" indent="0" algn="ctr" defTabSz="274320">
+              <a:spcBef>
+                <a:spcPts val="400"/>
+              </a:spcBef>
+              <a:buSzTx/>
+              <a:buFontTx/>
+              <a:buNone/>
+              <a:defRPr b="1" sz="2400"/>
+            </a:pPr>
+            <a:r>
+              <a:t>IN THE END, GOOD THEORY IS AND CAN BE NOTHING BUT DISTILLED AND CRYSTALLIZED ECONOMIC HISTORY!!!!</a:t>
             </a:r>
           </a:p>
         </p:txBody>
@@ -5234,16 +5107,73 @@
       </p:grpSpPr>
       <p:sp>
         <p:nvSpPr>
-          <p:cNvPr id="136" name="Insights: Arrow"/>
+          <p:cNvPr id="135" name="Slide Number"/>
+          <p:cNvSpPr txBox="1"/>
+          <p:nvPr>
+            <p:ph type="sldNum" sz="quarter" idx="2"/>
+          </p:nvPr>
+        </p:nvSpPr>
+        <p:spPr>
+          <a:prstGeom prst="rect">
+            <a:avLst/>
+          </a:prstGeom>
+          <a:extLst>
+            <a:ext uri="{C572A759-6A51-4108-AA02-DFA0A04FC94B}">
+              <ma14:wrappingTextBoxFlag xmlns:ma14="http://schemas.microsoft.com/office/mac/drawingml/2011/main" val="1"/>
+            </a:ext>
+          </a:extLst>
+        </p:spPr>
+        <p:txBody>
+          <a:bodyPr/>
+          <a:lstStyle/>
+          <a:p>
+            <a:pPr/>
+            <a:fld id="{86CB4B4D-7CA3-9044-876B-883B54F8677D}" type="slidenum"/>
+          </a:p>
+        </p:txBody>
+      </p:sp>
+      <p:sp>
+        <p:nvSpPr>
+          <p:cNvPr id="136" name="Readings: Why Economic History?"/>
           <p:cNvSpPr txBox="1"/>
           <p:nvPr>
             <p:ph type="title" idx="4294967295"/>
           </p:nvPr>
         </p:nvSpPr>
         <p:spPr>
+          <a:prstGeom prst="rect">
+            <a:avLst/>
+          </a:prstGeom>
+        </p:spPr>
+        <p:txBody>
+          <a:bodyPr>
+            <a:normAutofit fontScale="100000" lnSpcReduction="0"/>
+          </a:bodyPr>
+          <a:lstStyle>
+            <a:lvl1pPr defTabSz="283463">
+              <a:defRPr sz="4588"/>
+            </a:lvl1pPr>
+          </a:lstStyle>
+          <a:p>
+            <a:pPr/>
+            <a:r>
+              <a:t>Readings: Why Economic History?</a:t>
+            </a:r>
+          </a:p>
+        </p:txBody>
+      </p:sp>
+      <p:sp>
+        <p:nvSpPr>
+          <p:cNvPr id="137" name="Robert M. Solow (1985): Economic History and Economics &lt;http://www.jstor.org/stable/1805620&gt;…"/>
+          <p:cNvSpPr txBox="1"/>
+          <p:nvPr>
+            <p:ph type="body" idx="4294967295"/>
+          </p:nvPr>
+        </p:nvSpPr>
+        <p:spPr>
           <a:xfrm>
-            <a:off x="457200" y="-1"/>
-            <a:ext cx="8229600" cy="1574802"/>
+            <a:off x="457200" y="1600200"/>
+            <a:ext cx="8229600" cy="4922393"/>
           </a:xfrm>
           <a:prstGeom prst="rect">
             <a:avLst/>
@@ -5255,63 +5185,232 @@
           </a:bodyPr>
           <a:lstStyle/>
           <a:p>
-            <a:pPr/>
-            <a:r>
-              <a:t>Insights: Arrow</a:t>
-            </a:r>
-          </a:p>
-        </p:txBody>
-      </p:sp>
-      <p:sp>
-        <p:nvSpPr>
-          <p:cNvPr id="137" name="Kenneth Arrow: The use of economic history as a source of empirical evidence for testing theories and estimating relations....…"/>
-          <p:cNvSpPr txBox="1"/>
-          <p:nvPr>
-            <p:ph type="body" idx="4294967295"/>
-          </p:nvPr>
-        </p:nvSpPr>
-        <p:spPr>
-          <a:xfrm>
-            <a:off x="457200" y="1849437"/>
-            <a:ext cx="8229600" cy="4525963"/>
-          </a:xfrm>
-          <a:prstGeom prst="rect">
-            <a:avLst/>
-          </a:prstGeom>
-        </p:spPr>
-        <p:txBody>
-          <a:bodyPr>
-            <a:normAutofit fontScale="100000" lnSpcReduction="0"/>
-          </a:bodyPr>
-          <a:lstStyle/>
-          <a:p>
-            <a:pPr marL="342900" indent="-342900">
+            <a:pPr marL="0" indent="0">
               <a:lnSpc>
-                <a:spcPct val="80000"/>
+                <a:spcPts val="5100"/>
               </a:lnSpc>
               <a:spcBef>
-                <a:spcPts val="500"/>
-              </a:spcBef>
-            </a:pPr>
-            <a:r>
-              <a:rPr b="1"/>
-              <a:t>Kenneth Arrow:</a:t>
-            </a:r>
-            <a:r>
-              <a:t> The use of economic history as a source of empirical evidence for testing theories and estimating relations.... </a:t>
-            </a:r>
-          </a:p>
-          <a:p>
-            <a:pPr marL="342900" indent="-342900">
+                <a:spcPts val="1200"/>
+              </a:spcBef>
+              <a:buSzTx/>
+              <a:buFontTx/>
+              <a:buNone/>
+              <a:defRPr sz="2800">
+                <a:uFillTx/>
+                <a:latin typeface="Times New Roman"/>
+                <a:ea typeface="Times New Roman"/>
+                <a:cs typeface="Times New Roman"/>
+                <a:sym typeface="Times New Roman"/>
+              </a:defRPr>
+            </a:pPr>
+            <a:r>
+              <a:t>Robert M. Solow (1985): </a:t>
+            </a:r>
+            <a:r>
+              <a:rPr i="1">
+                <a:latin typeface="Times"/>
+                <a:ea typeface="Times"/>
+                <a:cs typeface="Times"/>
+                <a:sym typeface="Times"/>
+              </a:rPr>
+              <a:t>Economic History and Economics </a:t>
+            </a:r>
+            <a:r>
+              <a:t>&lt;</a:t>
+            </a:r>
+            <a:r>
+              <a:rPr u="sng">
+                <a:solidFill>
+                  <a:srgbClr val="0000FF"/>
+                </a:solidFill>
+                <a:uFill>
+                  <a:solidFill>
+                    <a:srgbClr val="0000FF"/>
+                  </a:solidFill>
+                </a:uFill>
+                <a:hlinkClick r:id="rId2" invalidUrl="" action="" tgtFrame="" tooltip="" history="1" highlightClick="0" endSnd="0"/>
+              </a:rPr>
+              <a:t>http://www.jstor.org/stable/1805620</a:t>
+            </a:r>
+            <a:r>
+              <a:t>&gt;</a:t>
+            </a:r>
+          </a:p>
+          <a:p>
+            <a:pPr marL="0" indent="0">
               <a:lnSpc>
-                <a:spcPct val="80000"/>
+                <a:spcPts val="5100"/>
               </a:lnSpc>
               <a:spcBef>
-                <a:spcPts val="500"/>
-              </a:spcBef>
-            </a:pPr>
-            <a:r>
-              <a:t>A second use… historical conditioning… national or cultural conditioning…. Cultural differences between nations, with all their implications for polity and economy, are precipitates of past events.... It will always be true that practical understanding of the present will require knowledge of the past...</a:t>
+                <a:spcPts val="1200"/>
+              </a:spcBef>
+              <a:buSzTx/>
+              <a:buFontTx/>
+              <a:buNone/>
+              <a:defRPr sz="2800">
+                <a:uFillTx/>
+                <a:latin typeface="Times New Roman"/>
+                <a:ea typeface="Times New Roman"/>
+                <a:cs typeface="Times New Roman"/>
+                <a:sym typeface="Times New Roman"/>
+              </a:defRPr>
+            </a:pPr>
+            <a:r>
+              <a:t>Kenneth J. Arrow (1985): </a:t>
+            </a:r>
+            <a:r>
+              <a:rPr i="1">
+                <a:latin typeface="Times"/>
+                <a:ea typeface="Times"/>
+                <a:cs typeface="Times"/>
+                <a:sym typeface="Times"/>
+              </a:rPr>
+              <a:t>Maine and Texas </a:t>
+            </a:r>
+            <a:r>
+              <a:t>&lt;</a:t>
+            </a:r>
+            <a:r>
+              <a:rPr u="sng">
+                <a:solidFill>
+                  <a:srgbClr val="0000FF"/>
+                </a:solidFill>
+                <a:uFill>
+                  <a:solidFill>
+                    <a:srgbClr val="0000FF"/>
+                  </a:solidFill>
+                </a:uFill>
+                <a:hlinkClick r:id="rId3" invalidUrl="" action="" tgtFrame="" tooltip="" history="1" highlightClick="0" endSnd="0"/>
+              </a:rPr>
+              <a:t>http://www.jstor.org/stable/1805618</a:t>
+            </a:r>
+            <a:r>
+              <a:rPr>
+                <a:solidFill>
+                  <a:schemeClr val="accent1"/>
+                </a:solidFill>
+              </a:rPr>
+              <a:t>&gt;</a:t>
+            </a:r>
+            <a:endParaRPr>
+              <a:solidFill>
+                <a:schemeClr val="accent1"/>
+              </a:solidFill>
+            </a:endParaRPr>
+          </a:p>
+          <a:p>
+            <a:pPr marL="0" indent="0">
+              <a:lnSpc>
+                <a:spcPts val="5100"/>
+              </a:lnSpc>
+              <a:spcBef>
+                <a:spcPts val="1200"/>
+              </a:spcBef>
+              <a:buSzTx/>
+              <a:buFontTx/>
+              <a:buNone/>
+              <a:defRPr sz="2800">
+                <a:uFillTx/>
+                <a:latin typeface="Times New Roman"/>
+                <a:ea typeface="Times New Roman"/>
+                <a:cs typeface="Times New Roman"/>
+                <a:sym typeface="Times New Roman"/>
+              </a:defRPr>
+            </a:pPr>
+            <a:r>
+              <a:t>Paul Krugman (2011): </a:t>
+            </a:r>
+            <a:r>
+              <a:rPr i="1">
+                <a:latin typeface="Times"/>
+                <a:ea typeface="Times"/>
+                <a:cs typeface="Times"/>
+                <a:sym typeface="Times"/>
+              </a:rPr>
+              <a:t>Mr. Keynes and the Modern</a:t>
+            </a:r>
+            <a:r>
+              <a:t>s &lt;</a:t>
+            </a:r>
+            <a:r>
+              <a:rPr u="sng">
+                <a:solidFill>
+                  <a:srgbClr val="0000FF"/>
+                </a:solidFill>
+                <a:uFill>
+                  <a:solidFill>
+                    <a:srgbClr val="0000FF"/>
+                  </a:solidFill>
+                </a:uFill>
+                <a:hlinkClick r:id="rId4" invalidUrl="" action="" tgtFrame="" tooltip="" history="1" highlightClick="0" endSnd="0"/>
+              </a:rPr>
+              <a:t>https://voxeu.org/article/mr-keynes-and-moderns</a:t>
+            </a:r>
+            <a:r>
+              <a:rPr>
+                <a:solidFill>
+                  <a:schemeClr val="accent1"/>
+                </a:solidFill>
+              </a:rPr>
+              <a:t>&gt; </a:t>
+            </a:r>
+            <a:endParaRPr>
+              <a:latin typeface="Times"/>
+              <a:ea typeface="Times"/>
+              <a:cs typeface="Times"/>
+              <a:sym typeface="Times"/>
+            </a:endParaRPr>
+          </a:p>
+          <a:p>
+            <a:pPr marL="0" indent="0">
+              <a:lnSpc>
+                <a:spcPts val="5100"/>
+              </a:lnSpc>
+              <a:spcBef>
+                <a:spcPts val="1200"/>
+              </a:spcBef>
+              <a:buSzTx/>
+              <a:buFontTx/>
+              <a:buNone/>
+              <a:defRPr sz="2800">
+                <a:uFillTx/>
+                <a:latin typeface="Times New Roman"/>
+                <a:ea typeface="Times New Roman"/>
+                <a:cs typeface="Times New Roman"/>
+                <a:sym typeface="Times New Roman"/>
+              </a:defRPr>
+            </a:pPr>
+            <a:r>
+              <a:t>Carl Shapiro and Hal Varian (1999): </a:t>
+            </a:r>
+            <a:r>
+              <a:rPr i="1">
+                <a:latin typeface="Times"/>
+                <a:ea typeface="Times"/>
+                <a:cs typeface="Times"/>
+                <a:sym typeface="Times"/>
+              </a:rPr>
+              <a:t>Information Rules: A Strategic Guide to the Network Economy</a:t>
+            </a:r>
+            <a:r>
+              <a:t>, selections &lt;</a:t>
+            </a:r>
+            <a:r>
+              <a:rPr u="sng">
+                <a:solidFill>
+                  <a:srgbClr val="0000FF"/>
+                </a:solidFill>
+                <a:uFill>
+                  <a:solidFill>
+                    <a:srgbClr val="0000FF"/>
+                  </a:solidFill>
+                </a:uFill>
+                <a:hlinkClick r:id="rId5" invalidUrl="" action="" tgtFrame="" tooltip="" history="1" highlightClick="0" endSnd="0"/>
+              </a:rPr>
+              <a:t>https://delong.typepad.com/files/shapiro-variation-rules-selections.pdf</a:t>
+            </a:r>
+            <a:r>
+              <a:t>&gt; </a:t>
             </a:r>
           </a:p>
         </p:txBody>
@@ -5344,97 +5443,105 @@
       </p:grpSpPr>
       <p:sp>
         <p:nvSpPr>
-          <p:cNvPr id="139" name="Catch Our Breath…"/>
-          <p:cNvSpPr txBox="1"/>
-          <p:nvPr>
-            <p:ph type="title"/>
-          </p:nvPr>
-        </p:nvSpPr>
-        <p:spPr>
-          <a:xfrm>
-            <a:off x="390757" y="-1"/>
-            <a:ext cx="8255001" cy="1587501"/>
-          </a:xfrm>
-          <a:prstGeom prst="rect">
-            <a:avLst/>
-          </a:prstGeom>
+          <p:cNvPr id="139" name="Slide Number"/>
+          <p:cNvSpPr txBox="1"/>
+          <p:nvPr>
+            <p:ph type="sldNum" sz="quarter" idx="2"/>
+          </p:nvPr>
+        </p:nvSpPr>
+        <p:spPr>
+          <a:prstGeom prst="rect">
+            <a:avLst/>
+          </a:prstGeom>
+          <a:extLst>
+            <a:ext uri="{C572A759-6A51-4108-AA02-DFA0A04FC94B}">
+              <ma14:wrappingTextBoxFlag xmlns:ma14="http://schemas.microsoft.com/office/mac/drawingml/2011/main" val="1"/>
+            </a:ext>
+          </a:extLst>
         </p:spPr>
         <p:txBody>
           <a:bodyPr/>
+          <a:lstStyle/>
+          <a:p>
+            <a:pPr/>
+            <a:fld id="{86CB4B4D-7CA3-9044-876B-883B54F8677D}" type="slidenum"/>
+          </a:p>
+        </p:txBody>
+      </p:sp>
+      <p:sp>
+        <p:nvSpPr>
+          <p:cNvPr id="140" name="What Are the Insights?"/>
+          <p:cNvSpPr txBox="1"/>
+          <p:nvPr>
+            <p:ph type="title" idx="4294967295"/>
+          </p:nvPr>
+        </p:nvSpPr>
+        <p:spPr>
+          <a:prstGeom prst="rect">
+            <a:avLst/>
+          </a:prstGeom>
+        </p:spPr>
+        <p:txBody>
+          <a:bodyPr>
+            <a:normAutofit fontScale="100000" lnSpcReduction="0"/>
+          </a:bodyPr>
           <a:lstStyle>
-            <a:lvl1pPr>
-              <a:defRPr>
-                <a:solidFill>
-                  <a:srgbClr val="800000"/>
-                </a:solidFill>
-              </a:defRPr>
+            <a:lvl1pPr defTabSz="384047">
+              <a:defRPr sz="6719"/>
             </a:lvl1pPr>
           </a:lstStyle>
           <a:p>
             <a:pPr/>
             <a:r>
-              <a:t>Catch Our Breath…</a:t>
-            </a:r>
-          </a:p>
-        </p:txBody>
-      </p:sp>
-      <p:sp>
-        <p:nvSpPr>
-          <p:cNvPr id="140" name="Ask a couple of questions?…"/>
-          <p:cNvSpPr txBox="1"/>
-          <p:nvPr>
-            <p:ph type="body" sz="half" idx="1"/>
+              <a:t>What Are the Insights?</a:t>
+            </a:r>
+          </a:p>
+        </p:txBody>
+      </p:sp>
+      <p:sp>
+        <p:nvSpPr>
+          <p:cNvPr id="141" name="Scene: The Presidential Transition Offices, 8:30 am EST Friday December 5, 2008:"/>
+          <p:cNvSpPr txBox="1"/>
+          <p:nvPr>
+            <p:ph type="body" sz="quarter" idx="4294967295"/>
           </p:nvPr>
         </p:nvSpPr>
         <p:spPr>
           <a:xfrm>
-            <a:off x="390757" y="1508814"/>
-            <a:ext cx="4127501" cy="4762501"/>
+            <a:off x="457200" y="1600200"/>
+            <a:ext cx="8229600" cy="427838"/>
           </a:xfrm>
           <a:prstGeom prst="rect">
             <a:avLst/>
           </a:prstGeom>
         </p:spPr>
         <p:txBody>
-          <a:bodyPr anchor="t"/>
+          <a:bodyPr>
+            <a:normAutofit fontScale="100000" lnSpcReduction="0"/>
+          </a:bodyPr>
           <a:lstStyle/>
           <a:p>
-            <a:pPr>
-              <a:spcBef>
-                <a:spcPts val="800"/>
-              </a:spcBef>
-            </a:pPr>
-            <a:r>
-              <a:t>Ask a couple of questions? </a:t>
-            </a:r>
-          </a:p>
-          <a:p>
-            <a:pPr>
-              <a:spcBef>
-                <a:spcPts val="800"/>
-              </a:spcBef>
-            </a:pPr>
-            <a:r>
-              <a:t>Make a couple of comments?</a:t>
-            </a:r>
-          </a:p>
-          <a:p>
-            <a:pPr>
-              <a:spcBef>
-                <a:spcPts val="800"/>
-              </a:spcBef>
-            </a:pPr>
-            <a:r>
-              <a:t>Any more readings to recommend?</a:t>
+            <a:pPr marL="305180" indent="-305180" defTabSz="406908">
+              <a:spcBef>
+                <a:spcPts val="600"/>
+              </a:spcBef>
+              <a:defRPr sz="1869"/>
+            </a:pPr>
+            <a:r>
+              <a:rPr b="1"/>
+              <a:t>Scene</a:t>
+            </a:r>
+            <a:r>
+              <a:t>: The Presidential Transition Offices, 8:30 am EST Friday December 5, 2008:</a:t>
             </a:r>
           </a:p>
         </p:txBody>
       </p:sp>
       <p:pic>
         <p:nvPicPr>
-          <p:cNvPr id="141" name="Image" descr="Image"/>
+          <p:cNvPr id="142" name="Image" descr="Image"/>
           <p:cNvPicPr>
-            <a:picLocks noChangeAspect="1"/>
+            <a:picLocks noChangeAspect="0"/>
           </p:cNvPicPr>
           <p:nvPr/>
         </p:nvPicPr>
@@ -5448,17 +5555,533 @@
         </p:blipFill>
         <p:spPr>
           <a:xfrm>
-            <a:off x="4518257" y="1508814"/>
-            <a:ext cx="4127501" cy="4087583"/>
+            <a:off x="2215716" y="2028037"/>
+            <a:ext cx="6471084" cy="4645496"/>
           </a:xfrm>
           <a:prstGeom prst="rect">
             <a:avLst/>
           </a:prstGeom>
-          <a:ln w="3175">
+          <a:ln w="12700">
             <a:miter lim="400000"/>
           </a:ln>
         </p:spPr>
       </p:pic>
+      <p:sp>
+        <p:nvSpPr>
+          <p:cNvPr id="143" name="Questions:…"/>
+          <p:cNvSpPr txBox="1"/>
+          <p:nvPr/>
+        </p:nvSpPr>
+        <p:spPr>
+          <a:xfrm>
+            <a:off x="457200" y="2028037"/>
+            <a:ext cx="1758517" cy="4376256"/>
+          </a:xfrm>
+          <a:prstGeom prst="rect">
+            <a:avLst/>
+          </a:prstGeom>
+          <a:ln w="12700">
+            <a:miter lim="400000"/>
+          </a:ln>
+          <a:extLst>
+            <a:ext uri="{C572A759-6A51-4108-AA02-DFA0A04FC94B}">
+              <ma14:wrappingTextBoxFlag xmlns:ma14="http://schemas.microsoft.com/office/mac/drawingml/2011/main" val="1"/>
+            </a:ext>
+          </a:extLst>
+        </p:spPr>
+        <p:txBody>
+          <a:bodyPr lIns="45719" rIns="45719">
+            <a:normAutofit fontScale="100000" lnSpcReduction="0"/>
+          </a:bodyPr>
+          <a:lstStyle/>
+          <a:p>
+            <a:pPr marL="294893" indent="-294893" defTabSz="393192">
+              <a:spcBef>
+                <a:spcPts val="600"/>
+              </a:spcBef>
+              <a:buSzPct val="100000"/>
+              <a:buFont typeface="Arial"/>
+              <a:buChar char="•"/>
+              <a:defRPr sz="1806"/>
+            </a:pPr>
+            <a:r>
+              <a:rPr b="1"/>
+              <a:t>Questions</a:t>
+            </a:r>
+            <a:r>
+              <a:t>: </a:t>
+            </a:r>
+          </a:p>
+          <a:p>
+            <a:pPr marL="294893" indent="-294893" defTabSz="393192">
+              <a:spcBef>
+                <a:spcPts val="600"/>
+              </a:spcBef>
+              <a:buSzPct val="100000"/>
+              <a:buFont typeface="Arial"/>
+              <a:buChar char="•"/>
+              <a:defRPr sz="1806"/>
+            </a:pPr>
+            <a:r>
+              <a:t>Just what is going on? </a:t>
+            </a:r>
+          </a:p>
+          <a:p>
+            <a:pPr marL="294893" indent="-294893" defTabSz="393192">
+              <a:spcBef>
+                <a:spcPts val="600"/>
+              </a:spcBef>
+              <a:buSzPct val="100000"/>
+              <a:buFont typeface="Arial"/>
+              <a:buChar char="•"/>
+              <a:defRPr sz="1806"/>
+            </a:pPr>
+            <a:r>
+              <a:t>What is the government supposed to be doing to stop it from doing that?</a:t>
+            </a:r>
+          </a:p>
+          <a:p>
+            <a:pPr marL="294893" indent="-294893" defTabSz="393192">
+              <a:spcBef>
+                <a:spcPts val="600"/>
+              </a:spcBef>
+              <a:buSzPct val="100000"/>
+              <a:buFont typeface="Arial"/>
+              <a:buChar char="•"/>
+              <a:defRPr sz="1806"/>
+            </a:pPr>
+            <a:r>
+              <a:t>What can our economists tell us about the best policy response? </a:t>
+            </a:r>
+          </a:p>
+        </p:txBody>
+      </p:sp>
+    </p:spTree>
+  </p:cSld>
+  <p:clrMapOvr>
+    <a:masterClrMapping/>
+  </p:clrMapOvr>
+  <p:transition xmlns:p14="http://schemas.microsoft.com/office/powerpoint/2010/main" spd="med" advClick="1"/>
+</p:sld>
+</file>
+
+<file path=ppt/slides/slide27.xml><?xml version="1.0" encoding="utf-8"?>
+<p:sld xmlns:a="http://schemas.openxmlformats.org/drawingml/2006/main" xmlns:r="http://schemas.openxmlformats.org/officeDocument/2006/relationships" xmlns:p="http://schemas.openxmlformats.org/presentationml/2006/main" xmlns:m="http://schemas.openxmlformats.org/officeDocument/2006/math" xmlns:a14="http://schemas.microsoft.com/office/drawing/2010/main" showMasterSp="1" showMasterPhAnim="1">
+  <p:cSld>
+    <p:spTree>
+      <p:nvGrpSpPr>
+        <p:cNvPr id="1" name=""/>
+        <p:cNvGrpSpPr/>
+        <p:nvPr/>
+      </p:nvGrpSpPr>
+      <p:grpSpPr>
+        <a:xfrm>
+          <a:off x="0" y="0"/>
+          <a:ext cx="0" cy="0"/>
+          <a:chOff x="0" y="0"/>
+          <a:chExt cx="0" cy="0"/>
+        </a:xfrm>
+      </p:grpSpPr>
+      <p:sp>
+        <p:nvSpPr>
+          <p:cNvPr id="145" name="Slide Number"/>
+          <p:cNvSpPr txBox="1"/>
+          <p:nvPr>
+            <p:ph type="sldNum" sz="quarter" idx="2"/>
+          </p:nvPr>
+        </p:nvSpPr>
+        <p:spPr>
+          <a:prstGeom prst="rect">
+            <a:avLst/>
+          </a:prstGeom>
+          <a:extLst>
+            <a:ext uri="{C572A759-6A51-4108-AA02-DFA0A04FC94B}">
+              <ma14:wrappingTextBoxFlag xmlns:ma14="http://schemas.microsoft.com/office/mac/drawingml/2011/main" val="1"/>
+            </a:ext>
+          </a:extLst>
+        </p:spPr>
+        <p:txBody>
+          <a:bodyPr/>
+          <a:lstStyle/>
+          <a:p>
+            <a:pPr/>
+            <a:fld id="{86CB4B4D-7CA3-9044-876B-883B54F8677D}" type="slidenum"/>
+          </a:p>
+        </p:txBody>
+      </p:sp>
+      <p:sp>
+        <p:nvSpPr>
+          <p:cNvPr id="146" name="Scene: The Bretton Woods Hotel, in Bretton Woods, NH, in April 2011"/>
+          <p:cNvSpPr txBox="1"/>
+          <p:nvPr>
+            <p:ph type="title" idx="4294967295"/>
+          </p:nvPr>
+        </p:nvSpPr>
+        <p:spPr>
+          <a:prstGeom prst="rect">
+            <a:avLst/>
+          </a:prstGeom>
+        </p:spPr>
+        <p:txBody>
+          <a:bodyPr/>
+          <a:lstStyle>
+            <a:lvl1pPr>
+              <a:defRPr sz="4200"/>
+            </a:lvl1pPr>
+          </a:lstStyle>
+          <a:p>
+            <a:pPr/>
+            <a:r>
+              <a:t>Scene: The Bretton Woods Hotel, in Bretton Woods, NH, in April 2011</a:t>
+            </a:r>
+          </a:p>
+        </p:txBody>
+      </p:sp>
+      <p:sp>
+        <p:nvSpPr>
+          <p:cNvPr id="147" name="Martin Wolf: How far do you feel that what we have experienced in the last few years suggests that economists just did not understand what was going on?…"/>
+          <p:cNvSpPr txBox="1"/>
+          <p:nvPr>
+            <p:ph type="body" idx="4294967295"/>
+          </p:nvPr>
+        </p:nvSpPr>
+        <p:spPr>
+          <a:xfrm>
+            <a:off x="457200" y="1600200"/>
+            <a:ext cx="8229600" cy="4655195"/>
+          </a:xfrm>
+          <a:prstGeom prst="rect">
+            <a:avLst/>
+          </a:prstGeom>
+        </p:spPr>
+        <p:txBody>
+          <a:bodyPr>
+            <a:normAutofit fontScale="100000" lnSpcReduction="0"/>
+          </a:bodyPr>
+          <a:lstStyle/>
+          <a:p>
+            <a:pPr marL="0" indent="0" defTabSz="438911">
+              <a:buSzTx/>
+              <a:buFontTx/>
+              <a:buNone/>
+              <a:defRPr sz="2400"/>
+            </a:pPr>
+            <a:r>
+              <a:rPr b="1"/>
+              <a:t>Martin Wolf:</a:t>
+            </a:r>
+            <a:r>
+              <a:t> How far do you feel that what we have experienced in the last few years suggests that economists just did not understand what was going on?</a:t>
+            </a:r>
+          </a:p>
+          <a:p>
+            <a:pPr marL="0" indent="0" defTabSz="438911">
+              <a:buSzTx/>
+              <a:buFontTx/>
+              <a:buNone/>
+              <a:defRPr sz="2400"/>
+            </a:pPr>
+            <a:r>
+              <a:rPr b="1"/>
+              <a:t>Larry Summers</a:t>
+            </a:r>
+            <a:r>
+              <a:t>: There are things economists did not know. There are things economists were wrong about. And there are things where some economists were right…. When I was in the government, I got a lot of papers…. I attempted to read all of the ones that used the words "leverage," "liquidity," "deflation," or “depression”… I attempted to read none of the ones that used the words "neoclassical," "choice-theoretic," "real business cycle," or "optimizing model of”. There were more in the second… </a:t>
+            </a:r>
+          </a:p>
+        </p:txBody>
+      </p:sp>
+    </p:spTree>
+  </p:cSld>
+  <p:clrMapOvr>
+    <a:masterClrMapping/>
+  </p:clrMapOvr>
+  <p:transition xmlns:p14="http://schemas.microsoft.com/office/powerpoint/2010/main" spd="med" advClick="1"/>
+</p:sld>
+</file>
+
+<file path=ppt/slides/slide28.xml><?xml version="1.0" encoding="utf-8"?>
+<p:sld xmlns:a="http://schemas.openxmlformats.org/drawingml/2006/main" xmlns:r="http://schemas.openxmlformats.org/officeDocument/2006/relationships" xmlns:p="http://schemas.openxmlformats.org/presentationml/2006/main" xmlns:m="http://schemas.openxmlformats.org/officeDocument/2006/math" xmlns:a14="http://schemas.microsoft.com/office/drawing/2010/main" showMasterSp="1" showMasterPhAnim="1">
+  <p:cSld>
+    <p:spTree>
+      <p:nvGrpSpPr>
+        <p:cNvPr id="1" name=""/>
+        <p:cNvGrpSpPr/>
+        <p:nvPr/>
+      </p:nvGrpSpPr>
+      <p:grpSpPr>
+        <a:xfrm>
+          <a:off x="0" y="0"/>
+          <a:ext cx="0" cy="0"/>
+          <a:chOff x="0" y="0"/>
+          <a:chExt cx="0" cy="0"/>
+        </a:xfrm>
+      </p:grpSpPr>
+      <p:sp>
+        <p:nvSpPr>
+          <p:cNvPr id="149" name="Slide Number"/>
+          <p:cNvSpPr txBox="1"/>
+          <p:nvPr>
+            <p:ph type="sldNum" sz="quarter" idx="2"/>
+          </p:nvPr>
+        </p:nvSpPr>
+        <p:spPr>
+          <a:prstGeom prst="rect">
+            <a:avLst/>
+          </a:prstGeom>
+          <a:extLst>
+            <a:ext uri="{C572A759-6A51-4108-AA02-DFA0A04FC94B}">
+              <ma14:wrappingTextBoxFlag xmlns:ma14="http://schemas.microsoft.com/office/mac/drawingml/2011/main" val="1"/>
+            </a:ext>
+          </a:extLst>
+        </p:spPr>
+        <p:txBody>
+          <a:bodyPr/>
+          <a:lstStyle/>
+          <a:p>
+            <a:pPr/>
+            <a:fld id="{86CB4B4D-7CA3-9044-876B-883B54F8677D}" type="slidenum"/>
+          </a:p>
+        </p:txBody>
+      </p:sp>
+      <p:sp>
+        <p:nvSpPr>
+          <p:cNvPr id="150" name="Summers at the Bretton Woods Hotel II"/>
+          <p:cNvSpPr txBox="1"/>
+          <p:nvPr>
+            <p:ph type="title" idx="4294967295"/>
+          </p:nvPr>
+        </p:nvSpPr>
+        <p:spPr>
+          <a:prstGeom prst="rect">
+            <a:avLst/>
+          </a:prstGeom>
+        </p:spPr>
+        <p:txBody>
+          <a:bodyPr>
+            <a:normAutofit fontScale="100000" lnSpcReduction="0"/>
+          </a:bodyPr>
+          <a:lstStyle>
+            <a:lvl1pPr defTabSz="265175">
+              <a:defRPr sz="4640"/>
+            </a:lvl1pPr>
+          </a:lstStyle>
+          <a:p>
+            <a:pPr/>
+            <a:r>
+              <a:t>Summers at the Bretton Woods Hotel II</a:t>
+            </a:r>
+          </a:p>
+        </p:txBody>
+      </p:sp>
+      <p:sp>
+        <p:nvSpPr>
+          <p:cNvPr id="151" name="But there were a reasonable number in the first. And they told you a lot. There is a lot in [Walter] Bagehot['s 1873 Lombard Street] about the crisis we just went through. There is more in [Hyman] Minsky. And there is still more in [Charles] Kindleberger['s 1978 Manias, Panics, and Crashes]….…"/>
+          <p:cNvSpPr txBox="1"/>
+          <p:nvPr>
+            <p:ph type="body" idx="4294967295"/>
+          </p:nvPr>
+        </p:nvSpPr>
+        <p:spPr>
+          <a:xfrm>
+            <a:off x="457200" y="1600200"/>
+            <a:ext cx="8229600" cy="4655195"/>
+          </a:xfrm>
+          <a:prstGeom prst="rect">
+            <a:avLst/>
+          </a:prstGeom>
+        </p:spPr>
+        <p:txBody>
+          <a:bodyPr>
+            <a:normAutofit fontScale="100000" lnSpcReduction="0"/>
+          </a:bodyPr>
+          <a:lstStyle/>
+          <a:p>
+            <a:pPr marL="336041" indent="-336041" defTabSz="448055">
+              <a:defRPr sz="2450"/>
+            </a:pPr>
+            <a:r>
+              <a:t>But there were a reasonable number in the first. And they told you a lot. There is a lot in [Walter] Bagehot['s 1873 </a:t>
+            </a:r>
+            <a:r>
+              <a:rPr i="1"/>
+              <a:t>Lombard Street</a:t>
+            </a:r>
+            <a:r>
+              <a:t>] about the crisis we just went through. There is more in [Hyman] Minsky. And there is still more in [Charles] Kindleberger['s 1978 </a:t>
+            </a:r>
+            <a:r>
+              <a:rPr i="1"/>
+              <a:t>Manias, Panics, and Crashes</a:t>
+            </a:r>
+            <a:r>
+              <a:t>]…. </a:t>
+            </a:r>
+          </a:p>
+          <a:p>
+            <a:pPr marL="336041" indent="-336041" defTabSz="448055">
+              <a:defRPr sz="2450"/>
+            </a:pPr>
+            <a:r>
+              <a:t>There are enormous amounts that are essentially distracting, confusing, and problem-denying in the stuff that is the substance of the first year course in Ph.D. programs. I think economics knows a fair amount. I think economics has forgotten a fair amount that is relevant. And it has been distracted by an enormous amount…</a:t>
+            </a:r>
+          </a:p>
+        </p:txBody>
+      </p:sp>
+    </p:spTree>
+  </p:cSld>
+  <p:clrMapOvr>
+    <a:masterClrMapping/>
+  </p:clrMapOvr>
+  <p:transition xmlns:p14="http://schemas.microsoft.com/office/powerpoint/2010/main" spd="med" advClick="1"/>
+</p:sld>
+</file>
+
+<file path=ppt/slides/slide29.xml><?xml version="1.0" encoding="utf-8"?>
+<p:sld xmlns:a="http://schemas.openxmlformats.org/drawingml/2006/main" xmlns:r="http://schemas.openxmlformats.org/officeDocument/2006/relationships" xmlns:p="http://schemas.openxmlformats.org/presentationml/2006/main" xmlns:m="http://schemas.openxmlformats.org/officeDocument/2006/math" xmlns:a14="http://schemas.microsoft.com/office/drawing/2010/main" showMasterSp="1" showMasterPhAnim="1">
+  <p:cSld>
+    <p:spTree>
+      <p:nvGrpSpPr>
+        <p:cNvPr id="1" name=""/>
+        <p:cNvGrpSpPr/>
+        <p:nvPr/>
+      </p:nvGrpSpPr>
+      <p:grpSpPr>
+        <a:xfrm>
+          <a:off x="0" y="0"/>
+          <a:ext cx="0" cy="0"/>
+          <a:chOff x="0" y="0"/>
+          <a:chExt cx="0" cy="0"/>
+        </a:xfrm>
+      </p:grpSpPr>
+      <p:sp>
+        <p:nvSpPr>
+          <p:cNvPr id="153" name="Slide Number"/>
+          <p:cNvSpPr txBox="1"/>
+          <p:nvPr>
+            <p:ph type="sldNum" sz="quarter" idx="2"/>
+          </p:nvPr>
+        </p:nvSpPr>
+        <p:spPr>
+          <a:prstGeom prst="rect">
+            <a:avLst/>
+          </a:prstGeom>
+          <a:extLst>
+            <a:ext uri="{C572A759-6A51-4108-AA02-DFA0A04FC94B}">
+              <ma14:wrappingTextBoxFlag xmlns:ma14="http://schemas.microsoft.com/office/mac/drawingml/2011/main" val="1"/>
+            </a:ext>
+          </a:extLst>
+        </p:spPr>
+        <p:txBody>
+          <a:bodyPr/>
+          <a:lstStyle/>
+          <a:p>
+            <a:pPr/>
+            <a:fld id="{86CB4B4D-7CA3-9044-876B-883B54F8677D}" type="slidenum"/>
+          </a:p>
+        </p:txBody>
+      </p:sp>
+      <p:sp>
+        <p:nvSpPr>
+          <p:cNvPr id="154" name="People who were practical understood… liquidity finding its way into… asset price inflation and being problematic… but those concepts were at the very edge—or in many cases not even at the very edge—of contemporary macroeconomics, to the great detriment of contemporary macroeconomics.…"/>
+          <p:cNvSpPr txBox="1"/>
+          <p:nvPr>
+            <p:ph type="body" idx="4294967295"/>
+          </p:nvPr>
+        </p:nvSpPr>
+        <p:spPr>
+          <a:xfrm>
+            <a:off x="457200" y="1600200"/>
+            <a:ext cx="8229600" cy="4655195"/>
+          </a:xfrm>
+          <a:prstGeom prst="rect">
+            <a:avLst/>
+          </a:prstGeom>
+        </p:spPr>
+        <p:txBody>
+          <a:bodyPr>
+            <a:normAutofit fontScale="100000" lnSpcReduction="0"/>
+          </a:bodyPr>
+          <a:lstStyle/>
+          <a:p>
+            <a:pPr marL="209168" indent="-209168" defTabSz="278892">
+              <a:spcBef>
+                <a:spcPts val="400"/>
+              </a:spcBef>
+              <a:defRPr sz="2196"/>
+            </a:pPr>
+            <a:r>
+              <a:t>People who were practical understood… liquidity finding its way into… asset price inflation and being problematic… but those concepts were at the very edge—or in many cases not even at the very edge—of contemporary macroeconomics, to the great detriment of contemporary macroeconomics. </a:t>
+            </a:r>
+          </a:p>
+          <a:p>
+            <a:pPr marL="209168" indent="-209168" defTabSz="278892">
+              <a:spcBef>
+                <a:spcPts val="400"/>
+              </a:spcBef>
+              <a:defRPr sz="2196"/>
+            </a:pPr>
+            <a:r>
+              <a:t>The wisdom that is in the Bagehot-Minsky-Kindleberger-Eichengreen-Akerlof-Shiller… runs way ahead of those who bring negative attitudes to economics.… We make a serious mistake when we throw the baby out with the bathwater…. </a:t>
+            </a:r>
+          </a:p>
+          <a:p>
+            <a:pPr marL="209168" indent="-209168" defTabSz="278892">
+              <a:spcBef>
+                <a:spcPts val="400"/>
+              </a:spcBef>
+              <a:defRPr sz="2196"/>
+            </a:pPr>
+            <a:r>
+              <a:t>But… the vast edifice in both its new Keynesian variety and its new classical variety of attempting to place microfoundations under macroeconomics was not something that informed the policy-making process in any important way…</a:t>
+            </a:r>
+          </a:p>
+        </p:txBody>
+      </p:sp>
+      <p:sp>
+        <p:nvSpPr>
+          <p:cNvPr id="155" name="Summers at the Bretton Woods Hotel III"/>
+          <p:cNvSpPr txBox="1"/>
+          <p:nvPr/>
+        </p:nvSpPr>
+        <p:spPr>
+          <a:xfrm>
+            <a:off x="457200" y="-1"/>
+            <a:ext cx="8229600" cy="1508126"/>
+          </a:xfrm>
+          <a:prstGeom prst="rect">
+            <a:avLst/>
+          </a:prstGeom>
+          <a:ln w="12700">
+            <a:miter lim="400000"/>
+          </a:ln>
+          <a:extLst>
+            <a:ext uri="{C572A759-6A51-4108-AA02-DFA0A04FC94B}">
+              <ma14:wrappingTextBoxFlag xmlns:ma14="http://schemas.microsoft.com/office/mac/drawingml/2011/main" val="1"/>
+            </a:ext>
+          </a:extLst>
+        </p:spPr>
+        <p:txBody>
+          <a:bodyPr lIns="45719" rIns="45719" anchor="ctr">
+            <a:normAutofit fontScale="100000" lnSpcReduction="0"/>
+          </a:bodyPr>
+          <a:lstStyle>
+            <a:lvl1pPr algn="ctr" defTabSz="265175">
+              <a:defRPr b="1" sz="4640">
+                <a:solidFill>
+                  <a:srgbClr val="000080"/>
+                </a:solidFill>
+              </a:defRPr>
+            </a:lvl1pPr>
+          </a:lstStyle>
+          <a:p>
+            <a:pPr/>
+            <a:r>
+              <a:t>Summers at the Bretton Woods Hotel III</a:t>
+            </a:r>
+          </a:p>
+        </p:txBody>
+      </p:sp>
     </p:spTree>
   </p:cSld>
   <p:clrMapOvr>
@@ -5650,6 +6273,829 @@
           </a:p>
         </p:txBody>
       </p:sp>
+    </p:spTree>
+  </p:cSld>
+  <p:clrMapOvr>
+    <a:masterClrMapping/>
+  </p:clrMapOvr>
+  <p:transition xmlns:p14="http://schemas.microsoft.com/office/powerpoint/2010/main" spd="med" advClick="1"/>
+</p:sld>
+</file>
+
+<file path=ppt/slides/slide30.xml><?xml version="1.0" encoding="utf-8"?>
+<p:sld xmlns:a="http://schemas.openxmlformats.org/drawingml/2006/main" xmlns:r="http://schemas.openxmlformats.org/officeDocument/2006/relationships" xmlns:p="http://schemas.openxmlformats.org/presentationml/2006/main" xmlns:m="http://schemas.openxmlformats.org/officeDocument/2006/math" xmlns:a14="http://schemas.microsoft.com/office/drawing/2010/main" showMasterSp="1" showMasterPhAnim="1">
+  <p:cSld>
+    <p:spTree>
+      <p:nvGrpSpPr>
+        <p:cNvPr id="1" name=""/>
+        <p:cNvGrpSpPr/>
+        <p:nvPr/>
+      </p:nvGrpSpPr>
+      <p:grpSpPr>
+        <a:xfrm>
+          <a:off x="0" y="0"/>
+          <a:ext cx="0" cy="0"/>
+          <a:chOff x="0" y="0"/>
+          <a:chExt cx="0" cy="0"/>
+        </a:xfrm>
+      </p:grpSpPr>
+      <p:sp>
+        <p:nvSpPr>
+          <p:cNvPr id="157" name="Insights: Solow"/>
+          <p:cNvSpPr txBox="1"/>
+          <p:nvPr>
+            <p:ph type="title" idx="4294967295"/>
+          </p:nvPr>
+        </p:nvSpPr>
+        <p:spPr>
+          <a:xfrm>
+            <a:off x="457200" y="-1"/>
+            <a:ext cx="8229600" cy="1143002"/>
+          </a:xfrm>
+          <a:prstGeom prst="rect">
+            <a:avLst/>
+          </a:prstGeom>
+        </p:spPr>
+        <p:txBody>
+          <a:bodyPr>
+            <a:normAutofit fontScale="100000" lnSpcReduction="0"/>
+          </a:bodyPr>
+          <a:lstStyle/>
+          <a:p>
+            <a:pPr/>
+            <a:r>
+              <a:t>Insights: Solow</a:t>
+            </a:r>
+          </a:p>
+        </p:txBody>
+      </p:sp>
+      <p:sp>
+        <p:nvSpPr>
+          <p:cNvPr id="158" name="Robert Solow: Complicated system... cannot conduct controlled experiments... a social science... subject to Damon Runyon's Law that nothing between human beings is more than three to one... narrowly economic activity is embedded in a web of social institutions, customs, beliefs, and attitudes….…"/>
+          <p:cNvSpPr txBox="1"/>
+          <p:nvPr>
+            <p:ph type="body" idx="4294967295"/>
+          </p:nvPr>
+        </p:nvSpPr>
+        <p:spPr>
+          <a:xfrm>
+            <a:off x="457200" y="1143000"/>
+            <a:ext cx="8229600" cy="5446713"/>
+          </a:xfrm>
+          <a:prstGeom prst="rect">
+            <a:avLst/>
+          </a:prstGeom>
+        </p:spPr>
+        <p:txBody>
+          <a:bodyPr>
+            <a:normAutofit fontScale="100000" lnSpcReduction="0"/>
+          </a:bodyPr>
+          <a:lstStyle/>
+          <a:p>
+            <a:pPr marL="240030" indent="-240030" defTabSz="320039">
+              <a:lnSpc>
+                <a:spcPct val="80000"/>
+              </a:lnSpc>
+              <a:spcBef>
+                <a:spcPts val="300"/>
+              </a:spcBef>
+              <a:defRPr sz="2240"/>
+            </a:pPr>
+            <a:r>
+              <a:rPr b="1"/>
+              <a:t>Robert Solow:</a:t>
+            </a:r>
+            <a:r>
+              <a:t> Complicated system... cannot conduct controlled experiments... a social science... subject to Damon Runyon's Law that nothing between human beings is more than three to one... narrowly economic activity is embedded in a web of social institutions, customs, beliefs, and attitudes….</a:t>
+            </a:r>
+          </a:p>
+          <a:p>
+            <a:pPr marL="240030" indent="-240030" defTabSz="320039">
+              <a:lnSpc>
+                <a:spcPct val="80000"/>
+              </a:lnSpc>
+              <a:spcBef>
+                <a:spcPts val="300"/>
+              </a:spcBef>
+              <a:defRPr sz="2240"/>
+            </a:pPr>
+            <a:r>
+              <a:t>As soon as time-series get long enough to offer hope of discriminating among complex hypotheses, the likelihood that they remain stationary dwindles away, and the noise level gets correspondingly high. Under these circumstances, a little cleverness and persistence can get you almost any result you want…. </a:t>
+            </a:r>
+          </a:p>
+          <a:p>
+            <a:pPr marL="240030" indent="-240030" defTabSz="320039">
+              <a:lnSpc>
+                <a:spcPct val="80000"/>
+              </a:lnSpc>
+              <a:spcBef>
+                <a:spcPts val="300"/>
+              </a:spcBef>
+              <a:defRPr sz="2240"/>
+            </a:pPr>
+            <a:r>
+              <a:t>If the project of turning economics into a hard science could succeed, it would surely be worth doing. No doubt some of us should keep trying…. </a:t>
+            </a:r>
+          </a:p>
+          <a:p>
+            <a:pPr marL="240030" indent="-240030" defTabSz="320039">
+              <a:lnSpc>
+                <a:spcPct val="80000"/>
+              </a:lnSpc>
+              <a:spcBef>
+                <a:spcPts val="300"/>
+              </a:spcBef>
+              <a:defRPr sz="2240"/>
+            </a:pPr>
+            <a:r>
+              <a:t>The economic historian can ask whether this or that [model-]story rings true when applied in earlier times or other places, and, if not, why not... offer… a sense of the variety and flexibility of social arrangements... the interaction of economic behavior and other social institutions…</a:t>
+            </a:r>
+          </a:p>
+        </p:txBody>
+      </p:sp>
+    </p:spTree>
+  </p:cSld>
+  <p:clrMapOvr>
+    <a:masterClrMapping/>
+  </p:clrMapOvr>
+  <p:transition xmlns:p14="http://schemas.microsoft.com/office/powerpoint/2010/main" spd="med" advClick="1"/>
+</p:sld>
+</file>
+
+<file path=ppt/slides/slide31.xml><?xml version="1.0" encoding="utf-8"?>
+<p:sld xmlns:a="http://schemas.openxmlformats.org/drawingml/2006/main" xmlns:r="http://schemas.openxmlformats.org/officeDocument/2006/relationships" xmlns:p="http://schemas.openxmlformats.org/presentationml/2006/main" xmlns:m="http://schemas.openxmlformats.org/officeDocument/2006/math" xmlns:a14="http://schemas.microsoft.com/office/drawing/2010/main" showMasterSp="1" showMasterPhAnim="1">
+  <p:cSld>
+    <p:spTree>
+      <p:nvGrpSpPr>
+        <p:cNvPr id="1" name=""/>
+        <p:cNvGrpSpPr/>
+        <p:nvPr/>
+      </p:nvGrpSpPr>
+      <p:grpSpPr>
+        <a:xfrm>
+          <a:off x="0" y="0"/>
+          <a:ext cx="0" cy="0"/>
+          <a:chOff x="0" y="0"/>
+          <a:chExt cx="0" cy="0"/>
+        </a:xfrm>
+      </p:grpSpPr>
+      <p:sp>
+        <p:nvSpPr>
+          <p:cNvPr id="160" name="Insights: Arrow"/>
+          <p:cNvSpPr txBox="1"/>
+          <p:nvPr>
+            <p:ph type="title" idx="4294967295"/>
+          </p:nvPr>
+        </p:nvSpPr>
+        <p:spPr>
+          <a:xfrm>
+            <a:off x="457200" y="-1"/>
+            <a:ext cx="8229600" cy="1124944"/>
+          </a:xfrm>
+          <a:prstGeom prst="rect">
+            <a:avLst/>
+          </a:prstGeom>
+        </p:spPr>
+        <p:txBody>
+          <a:bodyPr>
+            <a:normAutofit fontScale="100000" lnSpcReduction="0"/>
+          </a:bodyPr>
+          <a:lstStyle/>
+          <a:p>
+            <a:pPr/>
+            <a:r>
+              <a:t>Insights: Arrow</a:t>
+            </a:r>
+          </a:p>
+        </p:txBody>
+      </p:sp>
+      <p:sp>
+        <p:nvSpPr>
+          <p:cNvPr id="161" name="Kenneth Arrow: The use of economic history as a source of empirical evidence for testing theories and estimating relations....…"/>
+          <p:cNvSpPr txBox="1"/>
+          <p:nvPr>
+            <p:ph type="body" idx="4294967295"/>
+          </p:nvPr>
+        </p:nvSpPr>
+        <p:spPr>
+          <a:xfrm>
+            <a:off x="457200" y="1215429"/>
+            <a:ext cx="8229600" cy="5159972"/>
+          </a:xfrm>
+          <a:prstGeom prst="rect">
+            <a:avLst/>
+          </a:prstGeom>
+        </p:spPr>
+        <p:txBody>
+          <a:bodyPr>
+            <a:normAutofit fontScale="100000" lnSpcReduction="0"/>
+          </a:bodyPr>
+          <a:lstStyle/>
+          <a:p>
+            <a:pPr marL="342900" indent="-342900">
+              <a:lnSpc>
+                <a:spcPct val="80000"/>
+              </a:lnSpc>
+              <a:spcBef>
+                <a:spcPts val="500"/>
+              </a:spcBef>
+            </a:pPr>
+            <a:r>
+              <a:rPr b="1"/>
+              <a:t>Kenneth Arrow:</a:t>
+            </a:r>
+            <a:r>
+              <a:t> The use of economic history as a source of empirical evidence for testing theories and estimating relations.... </a:t>
+            </a:r>
+          </a:p>
+          <a:p>
+            <a:pPr marL="342900" indent="-342900">
+              <a:lnSpc>
+                <a:spcPct val="80000"/>
+              </a:lnSpc>
+              <a:spcBef>
+                <a:spcPts val="500"/>
+              </a:spcBef>
+            </a:pPr>
+            <a:r>
+              <a:t>A second use… historical conditioning… national or cultural conditioning…. Cultural differences between nations, with all their implications for polity and economy, are precipitates of past events.... It will always be true that practical understanding of the present will require knowledge of the past...</a:t>
+            </a:r>
+          </a:p>
+        </p:txBody>
+      </p:sp>
+    </p:spTree>
+  </p:cSld>
+  <p:clrMapOvr>
+    <a:masterClrMapping/>
+  </p:clrMapOvr>
+  <p:transition xmlns:p14="http://schemas.microsoft.com/office/powerpoint/2010/main" spd="med" advClick="1"/>
+</p:sld>
+</file>
+
+<file path=ppt/slides/slide32.xml><?xml version="1.0" encoding="utf-8"?>
+<p:sld xmlns:a="http://schemas.openxmlformats.org/drawingml/2006/main" xmlns:r="http://schemas.openxmlformats.org/officeDocument/2006/relationships" xmlns:p="http://schemas.openxmlformats.org/presentationml/2006/main" xmlns:m="http://schemas.openxmlformats.org/officeDocument/2006/math" xmlns:a14="http://schemas.microsoft.com/office/drawing/2010/main" showMasterSp="1" showMasterPhAnim="1">
+  <p:cSld>
+    <p:spTree>
+      <p:nvGrpSpPr>
+        <p:cNvPr id="1" name=""/>
+        <p:cNvGrpSpPr/>
+        <p:nvPr/>
+      </p:nvGrpSpPr>
+      <p:grpSpPr>
+        <a:xfrm>
+          <a:off x="0" y="0"/>
+          <a:ext cx="0" cy="0"/>
+          <a:chOff x="0" y="0"/>
+          <a:chExt cx="0" cy="0"/>
+        </a:xfrm>
+      </p:grpSpPr>
+      <p:sp>
+        <p:nvSpPr>
+          <p:cNvPr id="163" name="Insights: Krugman"/>
+          <p:cNvSpPr txBox="1"/>
+          <p:nvPr>
+            <p:ph type="title" idx="4294967295"/>
+          </p:nvPr>
+        </p:nvSpPr>
+        <p:spPr>
+          <a:xfrm>
+            <a:off x="457200" y="-1"/>
+            <a:ext cx="8229600" cy="1124944"/>
+          </a:xfrm>
+          <a:prstGeom prst="rect">
+            <a:avLst/>
+          </a:prstGeom>
+        </p:spPr>
+        <p:txBody>
+          <a:bodyPr>
+            <a:normAutofit fontScale="100000" lnSpcReduction="0"/>
+          </a:bodyPr>
+          <a:lstStyle/>
+          <a:p>
+            <a:pPr/>
+            <a:r>
+              <a:t>Insights: Krugman</a:t>
+            </a:r>
+          </a:p>
+        </p:txBody>
+      </p:sp>
+      <p:sp>
+        <p:nvSpPr>
+          <p:cNvPr id="164" name="Paul Krugman: There’s no way for me to make this point without citing specific examples, which means naming names. So, on the first point, here’s Chicago’s John Cochrane (2009):…"/>
+          <p:cNvSpPr txBox="1"/>
+          <p:nvPr>
+            <p:ph type="body" idx="4294967295"/>
+          </p:nvPr>
+        </p:nvSpPr>
+        <p:spPr>
+          <a:xfrm>
+            <a:off x="457200" y="1215429"/>
+            <a:ext cx="8229600" cy="5159971"/>
+          </a:xfrm>
+          <a:prstGeom prst="rect">
+            <a:avLst/>
+          </a:prstGeom>
+        </p:spPr>
+        <p:txBody>
+          <a:bodyPr>
+            <a:normAutofit fontScale="100000" lnSpcReduction="0"/>
+          </a:bodyPr>
+          <a:lstStyle/>
+          <a:p>
+            <a:pPr marL="250317" indent="-250317" defTabSz="333756">
+              <a:lnSpc>
+                <a:spcPct val="80000"/>
+              </a:lnSpc>
+              <a:spcBef>
+                <a:spcPts val="300"/>
+              </a:spcBef>
+              <a:defRPr sz="2336"/>
+            </a:pPr>
+            <a:r>
+              <a:rPr b="1"/>
+              <a:t>Paul Krugman: </a:t>
+            </a:r>
+            <a:r>
+              <a:t>There’s no way for me to make this point without citing specific examples, which means naming names. So, on the first point, here’s Chicago’s John Cochrane (2009):</a:t>
+            </a:r>
+          </a:p>
+          <a:p>
+            <a:pPr lvl="1" marL="584073" indent="-250317" defTabSz="333756">
+              <a:lnSpc>
+                <a:spcPct val="80000"/>
+              </a:lnSpc>
+              <a:spcBef>
+                <a:spcPts val="300"/>
+              </a:spcBef>
+              <a:buChar char="•"/>
+              <a:defRPr sz="2336"/>
+            </a:pPr>
+            <a:r>
+              <a:t>“First, if money is not going to be printed, it has to come from somewhere. If the government borrows a dollar from you, that is a dollar that you do not spend, or that you do not lend to a company to spend on new investment. Every dollar of increased government spending must correspond to one less dollar of private spending. Jobs created by stimulus spending are offset by jobs lost from the decline in private spending. We can build roads instead of factories, but fiscal stimulus can’t help us to build more of both. This is just accounting, and does not need a complex argument about ‘crowding out’…”</a:t>
+            </a:r>
+          </a:p>
+          <a:p>
+            <a:pPr marL="250317" indent="-250317" defTabSz="333756">
+              <a:lnSpc>
+                <a:spcPct val="80000"/>
+              </a:lnSpc>
+              <a:spcBef>
+                <a:spcPts val="300"/>
+              </a:spcBef>
+              <a:defRPr sz="2336"/>
+            </a:pPr>
+            <a:r>
+              <a:t>Did Cochrane know that he was assuming that the U.S. in 2009 was well-modeled as an economy with a fixed stock of inside money and a rigid cash-in-advance constraint?</a:t>
+            </a:r>
+          </a:p>
+        </p:txBody>
+      </p:sp>
+    </p:spTree>
+  </p:cSld>
+  <p:clrMapOvr>
+    <a:masterClrMapping/>
+  </p:clrMapOvr>
+  <p:transition xmlns:p14="http://schemas.microsoft.com/office/powerpoint/2010/main" spd="med" advClick="1"/>
+</p:sld>
+</file>
+
+<file path=ppt/slides/slide33.xml><?xml version="1.0" encoding="utf-8"?>
+<p:sld xmlns:a="http://schemas.openxmlformats.org/drawingml/2006/main" xmlns:r="http://schemas.openxmlformats.org/officeDocument/2006/relationships" xmlns:p="http://schemas.openxmlformats.org/presentationml/2006/main" xmlns:m="http://schemas.openxmlformats.org/officeDocument/2006/math" xmlns:a14="http://schemas.microsoft.com/office/drawing/2010/main" showMasterSp="1" showMasterPhAnim="1">
+  <p:cSld>
+    <p:spTree>
+      <p:nvGrpSpPr>
+        <p:cNvPr id="1" name=""/>
+        <p:cNvGrpSpPr/>
+        <p:nvPr/>
+      </p:nvGrpSpPr>
+      <p:grpSpPr>
+        <a:xfrm>
+          <a:off x="0" y="0"/>
+          <a:ext cx="0" cy="0"/>
+          <a:chOff x="0" y="0"/>
+          <a:chExt cx="0" cy="0"/>
+        </a:xfrm>
+      </p:grpSpPr>
+      <p:sp>
+        <p:nvSpPr>
+          <p:cNvPr id="166" name="Insights: Krugman II"/>
+          <p:cNvSpPr txBox="1"/>
+          <p:nvPr>
+            <p:ph type="title" idx="4294967295"/>
+          </p:nvPr>
+        </p:nvSpPr>
+        <p:spPr>
+          <a:xfrm>
+            <a:off x="457200" y="-1"/>
+            <a:ext cx="8229600" cy="1124944"/>
+          </a:xfrm>
+          <a:prstGeom prst="rect">
+            <a:avLst/>
+          </a:prstGeom>
+        </p:spPr>
+        <p:txBody>
+          <a:bodyPr>
+            <a:normAutofit fontScale="100000" lnSpcReduction="0"/>
+          </a:bodyPr>
+          <a:lstStyle/>
+          <a:p>
+            <a:pPr/>
+            <a:r>
+              <a:t>Insights: Krugman II</a:t>
+            </a:r>
+          </a:p>
+        </p:txBody>
+      </p:sp>
+      <p:sp>
+        <p:nvSpPr>
+          <p:cNvPr id="167" name="If much of our public debate over fiscal policy has involved reinventing the same fallacies Keynes refuted in 1936, the same can be said of debates over international financial policy. Consider the claim, made by almost everyone, that given its large budget deficits the US desperately needs continuing inflows of capital from China and other emerging markets. Even very good economists fall into this trap.…"/>
+          <p:cNvSpPr txBox="1"/>
+          <p:nvPr>
+            <p:ph type="body" idx="4294967295"/>
+          </p:nvPr>
+        </p:nvSpPr>
+        <p:spPr>
+          <a:xfrm>
+            <a:off x="457200" y="1215429"/>
+            <a:ext cx="8229600" cy="5159971"/>
+          </a:xfrm>
+          <a:prstGeom prst="rect">
+            <a:avLst/>
+          </a:prstGeom>
+        </p:spPr>
+        <p:txBody>
+          <a:bodyPr>
+            <a:normAutofit fontScale="100000" lnSpcReduction="0"/>
+          </a:bodyPr>
+          <a:lstStyle/>
+          <a:p>
+            <a:pPr marL="216027" indent="-216027" defTabSz="288036">
+              <a:lnSpc>
+                <a:spcPct val="80000"/>
+              </a:lnSpc>
+              <a:spcBef>
+                <a:spcPts val="300"/>
+              </a:spcBef>
+              <a:defRPr sz="2016"/>
+            </a:pPr>
+            <a:r>
+              <a:t>If much of our public debate over fiscal policy has involved reinventing the same fallacies Keynes refuted in 1936, the same can be said of debates over international financial policy. Consider the claim, made by almost everyone, that given its large budget deficits the US desperately needs continuing inflows of capital from China and other emerging markets. Even very good economists fall into this trap. </a:t>
+            </a:r>
+          </a:p>
+          <a:p>
+            <a:pPr marL="216027" indent="-216027" defTabSz="288036">
+              <a:lnSpc>
+                <a:spcPct val="80000"/>
+              </a:lnSpc>
+              <a:spcBef>
+                <a:spcPts val="300"/>
+              </a:spcBef>
+              <a:defRPr sz="2016"/>
+            </a:pPr>
+            <a:r>
+              <a:t>Just last week Ken Rogoff declared that:</a:t>
+            </a:r>
+          </a:p>
+          <a:p>
+            <a:pPr lvl="1" marL="504062" indent="-216027" defTabSz="288036">
+              <a:lnSpc>
+                <a:spcPct val="80000"/>
+              </a:lnSpc>
+              <a:spcBef>
+                <a:spcPts val="300"/>
+              </a:spcBef>
+              <a:buChar char="•"/>
+              <a:defRPr sz="2016"/>
+            </a:pPr>
+            <a:r>
+              <a:t>“loans from emerging economies are keeping the debt-challenged US economy on life support.” US economy on life support.”</a:t>
+            </a:r>
+          </a:p>
+          <a:p>
+            <a:pPr marL="216027" indent="-216027" defTabSz="288036">
+              <a:lnSpc>
+                <a:spcPct val="80000"/>
+              </a:lnSpc>
+              <a:spcBef>
+                <a:spcPts val="300"/>
+              </a:spcBef>
+              <a:defRPr sz="2016"/>
+            </a:pPr>
+            <a:r>
+              <a:t>Um, no: inflows of capital from other nations simply add to the already excessive supply of U.S. savings relative to investment demand. </a:t>
+            </a:r>
+          </a:p>
+          <a:p>
+            <a:pPr lvl="1" marL="504062" indent="-216027" defTabSz="288036">
+              <a:lnSpc>
+                <a:spcPct val="80000"/>
+              </a:lnSpc>
+              <a:spcBef>
+                <a:spcPts val="300"/>
+              </a:spcBef>
+              <a:buChar char="•"/>
+              <a:defRPr sz="2016"/>
+            </a:pPr>
+            <a:r>
+              <a:t>These inflows of capital have as their counterpart a trade deficit that makes America worse off, not better off.</a:t>
+            </a:r>
+          </a:p>
+          <a:p>
+            <a:pPr lvl="1" marL="504062" indent="-216027" defTabSz="288036">
+              <a:lnSpc>
+                <a:spcPct val="80000"/>
+              </a:lnSpc>
+              <a:spcBef>
+                <a:spcPts val="300"/>
+              </a:spcBef>
+              <a:buChar char="•"/>
+              <a:defRPr sz="2016"/>
+            </a:pPr>
+            <a:r>
+              <a:t>If the Chinese, in a huff, stopped buying Treasuries they would be doing us a favour. </a:t>
+            </a:r>
+          </a:p>
+          <a:p>
+            <a:pPr lvl="1" marL="504062" indent="-216027" defTabSz="288036">
+              <a:lnSpc>
+                <a:spcPct val="80000"/>
+              </a:lnSpc>
+              <a:spcBef>
+                <a:spcPts val="300"/>
+              </a:spcBef>
+              <a:buChar char="•"/>
+              <a:defRPr sz="2016"/>
+            </a:pPr>
+            <a:r>
+              <a:t>And the fact that top officials and highly regarded economists don’t get this, 75 years after the General Theory, represents a sad case of intellectual regression…</a:t>
+            </a:r>
+          </a:p>
+        </p:txBody>
+      </p:sp>
+    </p:spTree>
+  </p:cSld>
+  <p:clrMapOvr>
+    <a:masterClrMapping/>
+  </p:clrMapOvr>
+  <p:transition xmlns:p14="http://schemas.microsoft.com/office/powerpoint/2010/main" spd="med" advClick="1"/>
+</p:sld>
+</file>
+
+<file path=ppt/slides/slide34.xml><?xml version="1.0" encoding="utf-8"?>
+<p:sld xmlns:a="http://schemas.openxmlformats.org/drawingml/2006/main" xmlns:r="http://schemas.openxmlformats.org/officeDocument/2006/relationships" xmlns:p="http://schemas.openxmlformats.org/presentationml/2006/main" xmlns:m="http://schemas.openxmlformats.org/officeDocument/2006/math" xmlns:a14="http://schemas.microsoft.com/office/drawing/2010/main" showMasterSp="1" showMasterPhAnim="1">
+  <p:cSld>
+    <p:spTree>
+      <p:nvGrpSpPr>
+        <p:cNvPr id="1" name=""/>
+        <p:cNvGrpSpPr/>
+        <p:nvPr/>
+      </p:nvGrpSpPr>
+      <p:grpSpPr>
+        <a:xfrm>
+          <a:off x="0" y="0"/>
+          <a:ext cx="0" cy="0"/>
+          <a:chOff x="0" y="0"/>
+          <a:chExt cx="0" cy="0"/>
+        </a:xfrm>
+      </p:grpSpPr>
+      <p:sp>
+        <p:nvSpPr>
+          <p:cNvPr id="169" name="Slide Number"/>
+          <p:cNvSpPr txBox="1"/>
+          <p:nvPr>
+            <p:ph type="sldNum" sz="quarter" idx="2"/>
+          </p:nvPr>
+        </p:nvSpPr>
+        <p:spPr>
+          <a:prstGeom prst="rect">
+            <a:avLst/>
+          </a:prstGeom>
+          <a:extLst>
+            <a:ext uri="{C572A759-6A51-4108-AA02-DFA0A04FC94B}">
+              <ma14:wrappingTextBoxFlag xmlns:ma14="http://schemas.microsoft.com/office/mac/drawingml/2011/main" val="1"/>
+            </a:ext>
+          </a:extLst>
+        </p:spPr>
+        <p:txBody>
+          <a:bodyPr/>
+          <a:lstStyle/>
+          <a:p>
+            <a:pPr/>
+            <a:fld id="{86CB4B4D-7CA3-9044-876B-883B54F8677D}" type="slidenum"/>
+          </a:p>
+        </p:txBody>
+      </p:sp>
+      <p:sp>
+        <p:nvSpPr>
+          <p:cNvPr id="170" name="Insights: Warsh on Shapiro and Varian’s Information Rules"/>
+          <p:cNvSpPr txBox="1"/>
+          <p:nvPr>
+            <p:ph type="title" idx="4294967295"/>
+          </p:nvPr>
+        </p:nvSpPr>
+        <p:spPr>
+          <a:xfrm>
+            <a:off x="457200" y="92074"/>
+            <a:ext cx="8229600" cy="1254077"/>
+          </a:xfrm>
+          <a:prstGeom prst="rect">
+            <a:avLst/>
+          </a:prstGeom>
+        </p:spPr>
+        <p:txBody>
+          <a:bodyPr/>
+          <a:lstStyle/>
+          <a:p>
+            <a:pPr/>
+            <a:r>
+              <a:t>Insights: Warsh on Shapiro and Varian’s </a:t>
+            </a:r>
+            <a:r>
+              <a:rPr i="1"/>
+              <a:t>Information Rules</a:t>
+            </a:r>
+          </a:p>
+        </p:txBody>
+      </p:sp>
+      <p:sp>
+        <p:nvSpPr>
+          <p:cNvPr id="171" name="David Warsh: As they increasingly were drawn into the policy battles of the information age, Shapiro and Varian heard the constant refrain… the old rules had been broken; a new set of principles was required to guide business strategy and public policy…. But, they said, ou don't need a brand-new economics. You just need to see the really cool stuff. Incompatible standards… Edison and Westinghouse in electricity…. Neither positive feedback and network externalities… is… recent…. Railroads, highways, electricity grids, television, e-mail: all obey the same basic principles…"/>
+          <p:cNvSpPr txBox="1"/>
+          <p:nvPr>
+            <p:ph type="body" idx="4294967295"/>
+          </p:nvPr>
+        </p:nvSpPr>
+        <p:spPr>
+          <a:xfrm>
+            <a:off x="457200" y="1346150"/>
+            <a:ext cx="8229600" cy="5058143"/>
+          </a:xfrm>
+          <a:prstGeom prst="rect">
+            <a:avLst/>
+          </a:prstGeom>
+        </p:spPr>
+        <p:txBody>
+          <a:bodyPr>
+            <a:normAutofit fontScale="100000" lnSpcReduction="0"/>
+          </a:bodyPr>
+          <a:lstStyle/>
+          <a:p>
+            <a:pPr marL="342899" indent="-342899">
+              <a:defRPr sz="2800"/>
+            </a:pPr>
+            <a:r>
+              <a:rPr b="1"/>
+              <a:t>David Warsh</a:t>
+            </a:r>
+            <a:r>
+              <a:t>: As they increasingly were drawn into the policy battles of the information age, Shapiro and Varian heard the constant refrain… the old rules had been broken; a new set of principles was required to guide business strategy and public policy…. But, they said, ou don't need a brand-new economics. You just need to see the really cool stuff. Incompatible standards… Edison and Westinghouse in electricity…. Neither positive feedback and network externalities… is… recent…. Railroads, highways, electricity grids, television, e-mail: all obey the same basic principles…</a:t>
+            </a:r>
+          </a:p>
+        </p:txBody>
+      </p:sp>
+    </p:spTree>
+  </p:cSld>
+  <p:clrMapOvr>
+    <a:masterClrMapping/>
+  </p:clrMapOvr>
+  <p:transition xmlns:p14="http://schemas.microsoft.com/office/powerpoint/2010/main" spd="med" advClick="1"/>
+</p:sld>
+</file>
+
+<file path=ppt/slides/slide35.xml><?xml version="1.0" encoding="utf-8"?>
+<p:sld xmlns:a="http://schemas.openxmlformats.org/drawingml/2006/main" xmlns:r="http://schemas.openxmlformats.org/officeDocument/2006/relationships" xmlns:p="http://schemas.openxmlformats.org/presentationml/2006/main" xmlns:m="http://schemas.openxmlformats.org/officeDocument/2006/math" xmlns:a14="http://schemas.microsoft.com/office/drawing/2010/main" showMasterSp="1" showMasterPhAnim="1">
+  <p:cSld>
+    <p:spTree>
+      <p:nvGrpSpPr>
+        <p:cNvPr id="1" name=""/>
+        <p:cNvGrpSpPr/>
+        <p:nvPr/>
+      </p:nvGrpSpPr>
+      <p:grpSpPr>
+        <a:xfrm>
+          <a:off x="0" y="0"/>
+          <a:ext cx="0" cy="0"/>
+          <a:chOff x="0" y="0"/>
+          <a:chExt cx="0" cy="0"/>
+        </a:xfrm>
+      </p:grpSpPr>
+      <p:sp>
+        <p:nvSpPr>
+          <p:cNvPr id="173" name="Catch Our Breath…"/>
+          <p:cNvSpPr txBox="1"/>
+          <p:nvPr>
+            <p:ph type="title"/>
+          </p:nvPr>
+        </p:nvSpPr>
+        <p:spPr>
+          <a:xfrm>
+            <a:off x="390757" y="-1"/>
+            <a:ext cx="8255001" cy="1587501"/>
+          </a:xfrm>
+          <a:prstGeom prst="rect">
+            <a:avLst/>
+          </a:prstGeom>
+        </p:spPr>
+        <p:txBody>
+          <a:bodyPr/>
+          <a:lstStyle>
+            <a:lvl1pPr>
+              <a:defRPr>
+                <a:solidFill>
+                  <a:srgbClr val="800000"/>
+                </a:solidFill>
+              </a:defRPr>
+            </a:lvl1pPr>
+          </a:lstStyle>
+          <a:p>
+            <a:pPr/>
+            <a:r>
+              <a:t>Catch Our Breath…</a:t>
+            </a:r>
+          </a:p>
+        </p:txBody>
+      </p:sp>
+      <p:sp>
+        <p:nvSpPr>
+          <p:cNvPr id="174" name="Ask a couple of questions?…"/>
+          <p:cNvSpPr txBox="1"/>
+          <p:nvPr>
+            <p:ph type="body" sz="half" idx="1"/>
+          </p:nvPr>
+        </p:nvSpPr>
+        <p:spPr>
+          <a:xfrm>
+            <a:off x="390757" y="1508814"/>
+            <a:ext cx="4127501" cy="4762501"/>
+          </a:xfrm>
+          <a:prstGeom prst="rect">
+            <a:avLst/>
+          </a:prstGeom>
+        </p:spPr>
+        <p:txBody>
+          <a:bodyPr anchor="t"/>
+          <a:lstStyle/>
+          <a:p>
+            <a:pPr>
+              <a:spcBef>
+                <a:spcPts val="800"/>
+              </a:spcBef>
+            </a:pPr>
+            <a:r>
+              <a:t>Ask a couple of questions? </a:t>
+            </a:r>
+          </a:p>
+          <a:p>
+            <a:pPr>
+              <a:spcBef>
+                <a:spcPts val="800"/>
+              </a:spcBef>
+            </a:pPr>
+            <a:r>
+              <a:t>Make a couple of comments?</a:t>
+            </a:r>
+          </a:p>
+          <a:p>
+            <a:pPr>
+              <a:spcBef>
+                <a:spcPts val="800"/>
+              </a:spcBef>
+            </a:pPr>
+            <a:r>
+              <a:t>Any more readings to recommend?</a:t>
+            </a:r>
+          </a:p>
+        </p:txBody>
+      </p:sp>
+      <p:pic>
+        <p:nvPicPr>
+          <p:cNvPr id="175" name="Image" descr="Image"/>
+          <p:cNvPicPr>
+            <a:picLocks noChangeAspect="1"/>
+          </p:cNvPicPr>
+          <p:nvPr/>
+        </p:nvPicPr>
+        <p:blipFill>
+          <a:blip r:embed="rId2">
+            <a:extLst/>
+          </a:blip>
+          <a:stretch>
+            <a:fillRect/>
+          </a:stretch>
+        </p:blipFill>
+        <p:spPr>
+          <a:xfrm>
+            <a:off x="4518257" y="1508814"/>
+            <a:ext cx="4127501" cy="4087583"/>
+          </a:xfrm>
+          <a:prstGeom prst="rect">
+            <a:avLst/>
+          </a:prstGeom>
+          <a:ln w="3175">
+            <a:miter lim="400000"/>
+          </a:ln>
+        </p:spPr>
+      </p:pic>
     </p:spTree>
   </p:cSld>
   <p:clrMapOvr>
